--- a/PPT/09 数据驱动测试.pptx
+++ b/PPT/09 数据驱动测试.pptx
@@ -5,7 +5,7 @@
     <p:sldMasterId id="2147483661" r:id="rId1"/>
   </p:sldMasterIdLst>
   <p:notesMasterIdLst>
-    <p:notesMasterId r:id="rId17"/>
+    <p:notesMasterId r:id="rId24"/>
   </p:notesMasterIdLst>
   <p:sldIdLst>
     <p:sldId id="269" r:id="rId2"/>
@@ -18,11 +18,18 @@
     <p:sldId id="261" r:id="rId9"/>
     <p:sldId id="281" r:id="rId10"/>
     <p:sldId id="262" r:id="rId11"/>
-    <p:sldId id="282" r:id="rId12"/>
-    <p:sldId id="264" r:id="rId13"/>
-    <p:sldId id="283" r:id="rId14"/>
-    <p:sldId id="263" r:id="rId15"/>
-    <p:sldId id="275" r:id="rId16"/>
+    <p:sldId id="284" r:id="rId12"/>
+    <p:sldId id="288" r:id="rId13"/>
+    <p:sldId id="282" r:id="rId14"/>
+    <p:sldId id="264" r:id="rId15"/>
+    <p:sldId id="285" r:id="rId16"/>
+    <p:sldId id="289" r:id="rId17"/>
+    <p:sldId id="283" r:id="rId18"/>
+    <p:sldId id="263" r:id="rId19"/>
+    <p:sldId id="286" r:id="rId20"/>
+    <p:sldId id="287" r:id="rId21"/>
+    <p:sldId id="275" r:id="rId22"/>
+    <p:sldId id="290" r:id="rId23"/>
   </p:sldIdLst>
   <p:sldSz cx="9144000" cy="5143500" type="screen16x9"/>
   <p:notesSz cx="6858000" cy="9144000"/>
@@ -206,7 +213,7 @@
           <a:p>
             <a:fld id="{242D9E38-8401-4A9B-91C8-3AD736D9D85B}" type="datetimeFigureOut">
               <a:rPr lang="zh-CN" altLang="en-US" smtClean="0"/>
-              <a:t>2019/4/15</a:t>
+              <a:t>2019/4/22</a:t>
             </a:fld>
             <a:endParaRPr lang="zh-CN" altLang="en-US"/>
           </a:p>
@@ -508,7 +515,7 @@
           <a:p>
             <a:fld id="{530820CF-B880-4189-942D-D702A7CBA730}" type="datetimeFigureOut">
               <a:rPr lang="zh-CN" altLang="en-US" smtClean="0"/>
-              <a:t>2019/4/15</a:t>
+              <a:t>2019/4/22</a:t>
             </a:fld>
             <a:endParaRPr lang="zh-CN" altLang="en-US"/>
           </a:p>
@@ -947,7 +954,7 @@
           <a:p>
             <a:fld id="{530820CF-B880-4189-942D-D702A7CBA730}" type="datetimeFigureOut">
               <a:rPr lang="zh-CN" altLang="en-US" smtClean="0"/>
-              <a:t>2019/4/15</a:t>
+              <a:t>2019/4/22</a:t>
             </a:fld>
             <a:endParaRPr lang="zh-CN" altLang="en-US"/>
           </a:p>
@@ -1241,7 +1248,7 @@
           <a:p>
             <a:fld id="{530820CF-B880-4189-942D-D702A7CBA730}" type="datetimeFigureOut">
               <a:rPr lang="zh-CN" altLang="en-US" smtClean="0"/>
-              <a:t>2019/4/15</a:t>
+              <a:t>2019/4/22</a:t>
             </a:fld>
             <a:endParaRPr lang="zh-CN" altLang="en-US"/>
           </a:p>
@@ -1893,243 +1900,6 @@
       </p:grpSpPr>
       <p:sp>
         <p:nvSpPr>
-          <p:cNvPr id="2" name="内容占位符 1"/>
-          <p:cNvSpPr>
-            <a:spLocks noGrp="1"/>
-          </p:cNvSpPr>
-          <p:nvPr>
-            <p:ph idx="1"/>
-          </p:nvPr>
-        </p:nvSpPr>
-        <p:spPr>
-          <a:xfrm>
-            <a:off x="457200" y="735547"/>
-            <a:ext cx="8579296" cy="3859077"/>
-          </a:xfrm>
-        </p:spPr>
-        <p:txBody>
-          <a:bodyPr>
-            <a:normAutofit fontScale="92500" lnSpcReduction="20000"/>
-          </a:bodyPr>
-          <a:lstStyle/>
-          <a:p>
-            <a:pPr marL="109537" indent="0">
-              <a:lnSpc>
-                <a:spcPct val="150000"/>
-              </a:lnSpc>
-              <a:spcBef>
-                <a:spcPts val="0"/>
-              </a:spcBef>
-              <a:buNone/>
-            </a:pPr>
-            <a:r>
-              <a:rPr lang="en-US" altLang="zh-CN" dirty="0"/>
-              <a:t>9.1 </a:t>
-            </a:r>
-            <a:r>
-              <a:rPr lang="zh-CN" altLang="en-US" dirty="0"/>
-              <a:t>什么是数据驱动测试</a:t>
-            </a:r>
-            <a:endParaRPr lang="en-US" altLang="zh-CN" dirty="0"/>
-          </a:p>
-          <a:p>
-            <a:pPr marL="109537" indent="0">
-              <a:lnSpc>
-                <a:spcPct val="150000"/>
-              </a:lnSpc>
-              <a:spcBef>
-                <a:spcPts val="0"/>
-              </a:spcBef>
-              <a:buNone/>
-            </a:pPr>
-            <a:r>
-              <a:rPr lang="en-US" altLang="zh-CN" dirty="0"/>
-              <a:t>9.2 </a:t>
-            </a:r>
-            <a:r>
-              <a:rPr lang="zh-CN" altLang="en-US" dirty="0"/>
-              <a:t>使用</a:t>
-            </a:r>
-            <a:r>
-              <a:rPr lang="en-US" altLang="zh-CN" dirty="0" err="1"/>
-              <a:t>TestNG</a:t>
-            </a:r>
-            <a:r>
-              <a:rPr lang="zh-CN" altLang="en-US" dirty="0"/>
-              <a:t>进行数据驱动</a:t>
-            </a:r>
-            <a:endParaRPr lang="en-US" altLang="zh-CN" dirty="0"/>
-          </a:p>
-          <a:p>
-            <a:pPr marL="109537" indent="0">
-              <a:lnSpc>
-                <a:spcPct val="150000"/>
-              </a:lnSpc>
-              <a:spcBef>
-                <a:spcPts val="0"/>
-              </a:spcBef>
-              <a:buNone/>
-            </a:pPr>
-            <a:r>
-              <a:rPr lang="en-US" altLang="zh-CN" dirty="0"/>
-              <a:t>9.3 </a:t>
-            </a:r>
-            <a:r>
-              <a:rPr lang="zh-CN" altLang="en-US" dirty="0"/>
-              <a:t>使用</a:t>
-            </a:r>
-            <a:r>
-              <a:rPr lang="en-US" altLang="zh-CN" dirty="0" err="1"/>
-              <a:t>TestNG</a:t>
-            </a:r>
-            <a:r>
-              <a:rPr lang="zh-CN" altLang="en-US" dirty="0"/>
-              <a:t>和</a:t>
-            </a:r>
-            <a:r>
-              <a:rPr lang="en-US" altLang="zh-CN" dirty="0"/>
-              <a:t>txt</a:t>
-            </a:r>
-            <a:r>
-              <a:rPr lang="zh-CN" altLang="en-US" dirty="0"/>
-              <a:t>文件进行数据驱动</a:t>
-            </a:r>
-            <a:r>
-              <a:rPr lang="en-US" altLang="zh-CN" dirty="0"/>
-              <a:t>(I/O)</a:t>
-            </a:r>
-          </a:p>
-          <a:p>
-            <a:pPr marL="109537" indent="0">
-              <a:lnSpc>
-                <a:spcPct val="150000"/>
-              </a:lnSpc>
-              <a:spcBef>
-                <a:spcPts val="0"/>
-              </a:spcBef>
-              <a:buNone/>
-            </a:pPr>
-            <a:r>
-              <a:rPr lang="en-US" altLang="zh-CN" dirty="0" smtClean="0">
-                <a:solidFill>
-                  <a:srgbClr val="FF0000"/>
-                </a:solidFill>
-              </a:rPr>
-              <a:t>9.4 </a:t>
-            </a:r>
-            <a:r>
-              <a:rPr lang="zh-CN" altLang="en-US" dirty="0">
-                <a:solidFill>
-                  <a:srgbClr val="FF0000"/>
-                </a:solidFill>
-              </a:rPr>
-              <a:t>使用</a:t>
-            </a:r>
-            <a:r>
-              <a:rPr lang="en-US" altLang="zh-CN" dirty="0" err="1">
-                <a:solidFill>
-                  <a:srgbClr val="FF0000"/>
-                </a:solidFill>
-              </a:rPr>
-              <a:t>TestNG</a:t>
-            </a:r>
-            <a:r>
-              <a:rPr lang="zh-CN" altLang="en-US" dirty="0">
-                <a:solidFill>
-                  <a:srgbClr val="FF0000"/>
-                </a:solidFill>
-              </a:rPr>
-              <a:t>、</a:t>
-            </a:r>
-            <a:r>
-              <a:rPr lang="en-US" altLang="zh-CN" dirty="0">
-                <a:solidFill>
-                  <a:srgbClr val="FF0000"/>
-                </a:solidFill>
-              </a:rPr>
-              <a:t>Apache POI </a:t>
-            </a:r>
-            <a:r>
-              <a:rPr lang="zh-CN" altLang="en-US" dirty="0">
-                <a:solidFill>
-                  <a:srgbClr val="FF0000"/>
-                </a:solidFill>
-              </a:rPr>
-              <a:t>和</a:t>
-            </a:r>
-            <a:r>
-              <a:rPr lang="en-US" altLang="zh-CN" dirty="0">
-                <a:solidFill>
-                  <a:srgbClr val="FF0000"/>
-                </a:solidFill>
-              </a:rPr>
-              <a:t>Excel</a:t>
-            </a:r>
-            <a:r>
-              <a:rPr lang="zh-CN" altLang="en-US" dirty="0">
-                <a:solidFill>
-                  <a:srgbClr val="FF0000"/>
-                </a:solidFill>
-              </a:rPr>
-              <a:t>文件进行数据驱动</a:t>
-            </a:r>
-            <a:endParaRPr lang="en-US" altLang="zh-CN" dirty="0">
-              <a:solidFill>
-                <a:srgbClr val="FF0000"/>
-              </a:solidFill>
-            </a:endParaRPr>
-          </a:p>
-          <a:p>
-            <a:pPr marL="109537" indent="0">
-              <a:lnSpc>
-                <a:spcPct val="150000"/>
-              </a:lnSpc>
-              <a:spcBef>
-                <a:spcPts val="0"/>
-              </a:spcBef>
-              <a:buNone/>
-            </a:pPr>
-            <a:r>
-              <a:rPr lang="en-US" altLang="zh-CN" dirty="0" smtClean="0"/>
-              <a:t>9.5 </a:t>
-            </a:r>
-            <a:r>
-              <a:rPr lang="zh-CN" altLang="en-US" dirty="0" smtClean="0"/>
-              <a:t>使用</a:t>
-            </a:r>
-            <a:r>
-              <a:rPr lang="en-US" altLang="zh-CN" dirty="0"/>
-              <a:t>MySQL</a:t>
-            </a:r>
-            <a:r>
-              <a:rPr lang="zh-CN" altLang="en-US" dirty="0"/>
-              <a:t>数据库实现数据驱动</a:t>
-            </a:r>
-            <a:r>
-              <a:rPr lang="zh-CN" altLang="en-US" dirty="0" smtClean="0"/>
-              <a:t>测试</a:t>
-            </a:r>
-            <a:r>
-              <a:rPr lang="en-US" altLang="zh-CN" dirty="0" smtClean="0"/>
-              <a:t>(</a:t>
-            </a:r>
-            <a:r>
-              <a:rPr lang="en-US" altLang="zh-CN" dirty="0" err="1" smtClean="0"/>
-              <a:t>JDBC</a:t>
-            </a:r>
-            <a:r>
-              <a:rPr lang="en-US" altLang="zh-CN" dirty="0" smtClean="0"/>
-              <a:t>)</a:t>
-            </a:r>
-            <a:endParaRPr lang="en-US" altLang="zh-CN" dirty="0"/>
-          </a:p>
-          <a:p>
-            <a:endParaRPr lang="zh-CN" altLang="en-US" dirty="0"/>
-          </a:p>
-        </p:txBody>
-      </p:sp>
-      <p:sp>
-        <p:nvSpPr>
           <p:cNvPr id="3" name="标题 2"/>
           <p:cNvSpPr>
             <a:spLocks noGrp="1"/>
@@ -2147,28 +1917,101 @@
           <a:p>
             <a:r>
               <a:rPr lang="zh-CN" altLang="en-US" dirty="0"/>
-              <a:t>本章大纲</a:t>
+              <a:t>使用</a:t>
+            </a:r>
+            <a:r>
+              <a:rPr lang="en-US" altLang="zh-CN" dirty="0" err="1"/>
+              <a:t>TestNG</a:t>
+            </a:r>
+            <a:r>
+              <a:rPr lang="zh-CN" altLang="en-US" dirty="0"/>
+              <a:t>和</a:t>
+            </a:r>
+            <a:r>
+              <a:rPr lang="en-US" altLang="zh-CN" dirty="0"/>
+              <a:t>txt</a:t>
+            </a:r>
+            <a:r>
+              <a:rPr lang="zh-CN" altLang="en-US" dirty="0"/>
+              <a:t>文件进行数据驱动</a:t>
             </a:r>
           </a:p>
         </p:txBody>
       </p:sp>
+      <p:pic>
+        <p:nvPicPr>
+          <p:cNvPr id="3074" name="Picture 2"/>
+          <p:cNvPicPr>
+            <a:picLocks noChangeAspect="1" noChangeArrowheads="1"/>
+          </p:cNvPicPr>
+          <p:nvPr/>
+        </p:nvPicPr>
+        <p:blipFill>
+          <a:blip r:embed="rId2">
+            <a:extLst>
+              <a:ext uri="{28A0092B-C50C-407E-A947-70E740481C1C}">
+                <a14:useLocalDpi xmlns:a14="http://schemas.microsoft.com/office/drawing/2010/main" val="0"/>
+              </a:ext>
+            </a:extLst>
+          </a:blip>
+          <a:srcRect/>
+          <a:stretch>
+            <a:fillRect/>
+          </a:stretch>
+        </p:blipFill>
+        <p:spPr bwMode="auto">
+          <a:xfrm>
+            <a:off x="366713" y="1014413"/>
+            <a:ext cx="8408987" cy="3114675"/>
+          </a:xfrm>
+          <a:prstGeom prst="rect">
+            <a:avLst/>
+          </a:prstGeom>
+          <a:noFill/>
+          <a:ln>
+            <a:noFill/>
+          </a:ln>
+          <a:effectLst/>
+          <a:extLst>
+            <a:ext uri="{909E8E84-426E-40DD-AFC4-6F175D3DCCD1}">
+              <a14:hiddenFill xmlns:a14="http://schemas.microsoft.com/office/drawing/2010/main">
+                <a:solidFill>
+                  <a:schemeClr val="accent1"/>
+                </a:solidFill>
+              </a14:hiddenFill>
+            </a:ext>
+            <a:ext uri="{91240B29-F687-4F45-9708-019B960494DF}">
+              <a14:hiddenLine xmlns:a14="http://schemas.microsoft.com/office/drawing/2010/main" w="9525">
+                <a:solidFill>
+                  <a:schemeClr val="tx1"/>
+                </a:solidFill>
+                <a:miter lim="800000"/>
+                <a:headEnd/>
+                <a:tailEnd/>
+              </a14:hiddenLine>
+            </a:ext>
+            <a:ext uri="{AF507438-7753-43E0-B8FC-AC1667EBCBE1}">
+              <a14:hiddenEffects xmlns:a14="http://schemas.microsoft.com/office/drawing/2010/main">
+                <a:effectLst>
+                  <a:outerShdw dist="35921" dir="2700000" algn="ctr" rotWithShape="0">
+                    <a:schemeClr val="bg2"/>
+                  </a:outerShdw>
+                </a:effectLst>
+              </a14:hiddenEffects>
+            </a:ext>
+          </a:extLst>
+        </p:spPr>
+      </p:pic>
     </p:spTree>
     <p:extLst>
       <p:ext uri="{BB962C8B-B14F-4D97-AF65-F5344CB8AC3E}">
-        <p14:creationId xmlns:p14="http://schemas.microsoft.com/office/powerpoint/2010/main" val="1530797810"/>
+        <p14:creationId xmlns:p14="http://schemas.microsoft.com/office/powerpoint/2010/main" val="2501360939"/>
       </p:ext>
     </p:extLst>
   </p:cSld>
   <p:clrMapOvr>
     <a:masterClrMapping/>
   </p:clrMapOvr>
-  <p:timing>
-    <p:tnLst>
-      <p:par>
-        <p:cTn id="1" dur="indefinite" restart="never" nodeType="tmRoot"/>
-      </p:par>
-    </p:tnLst>
-  </p:timing>
 </p:sld>
 </file>
 
@@ -2191,155 +2034,7 @@
       </p:grpSpPr>
       <p:sp>
         <p:nvSpPr>
-          <p:cNvPr id="4" name="内容占位符 3"/>
-          <p:cNvSpPr>
-            <a:spLocks noGrp="1"/>
-          </p:cNvSpPr>
-          <p:nvPr>
-            <p:ph idx="1"/>
-          </p:nvPr>
-        </p:nvSpPr>
-        <p:spPr>
-          <a:xfrm>
-            <a:off x="457994" y="843558"/>
-            <a:ext cx="8229600" cy="4299942"/>
-          </a:xfrm>
-        </p:spPr>
-        <p:txBody>
-          <a:bodyPr>
-            <a:normAutofit fontScale="62500" lnSpcReduction="20000"/>
-          </a:bodyPr>
-          <a:lstStyle/>
-          <a:p>
-            <a:r>
-              <a:rPr lang="zh-CN" altLang="en-US" dirty="0"/>
-              <a:t>测试流程</a:t>
-            </a:r>
-            <a:endParaRPr lang="en-US" altLang="zh-CN" dirty="0"/>
-          </a:p>
-          <a:p>
-            <a:pPr marL="514350" indent="-514350">
-              <a:lnSpc>
-                <a:spcPct val="150000"/>
-              </a:lnSpc>
-              <a:spcBef>
-                <a:spcPts val="0"/>
-              </a:spcBef>
-              <a:buFont typeface="+mj-lt"/>
-              <a:buAutoNum type="arabicPeriod"/>
-            </a:pPr>
-            <a:r>
-              <a:rPr lang="zh-CN" altLang="en-US" sz="3300" dirty="0"/>
-              <a:t>打开百度首页</a:t>
-            </a:r>
-            <a:endParaRPr lang="en-US" altLang="zh-CN" sz="3300" dirty="0"/>
-          </a:p>
-          <a:p>
-            <a:pPr marL="514350" indent="-514350">
-              <a:lnSpc>
-                <a:spcPct val="150000"/>
-              </a:lnSpc>
-              <a:spcBef>
-                <a:spcPts val="0"/>
-              </a:spcBef>
-              <a:buFont typeface="+mj-lt"/>
-              <a:buAutoNum type="arabicPeriod"/>
-            </a:pPr>
-            <a:r>
-              <a:rPr lang="zh-CN" altLang="en-US" sz="3300" dirty="0"/>
-              <a:t>从</a:t>
-            </a:r>
-            <a:r>
-              <a:rPr lang="en-US" altLang="zh-CN" sz="3300" dirty="0"/>
-              <a:t>excel</a:t>
-            </a:r>
-            <a:r>
-              <a:rPr lang="zh-CN" altLang="en-US" sz="3300" dirty="0"/>
-              <a:t>文件中读取每行的第一个单元格内容作为输入关键词</a:t>
-            </a:r>
-            <a:endParaRPr lang="en-US" altLang="zh-CN" sz="3300" dirty="0"/>
-          </a:p>
-          <a:p>
-            <a:pPr marL="514350" indent="-514350">
-              <a:lnSpc>
-                <a:spcPct val="150000"/>
-              </a:lnSpc>
-              <a:spcBef>
-                <a:spcPts val="0"/>
-              </a:spcBef>
-              <a:buFont typeface="+mj-lt"/>
-              <a:buAutoNum type="arabicPeriod"/>
-            </a:pPr>
-            <a:r>
-              <a:rPr lang="zh-CN" altLang="en-US" sz="3300" dirty="0"/>
-              <a:t>单击搜索按钮</a:t>
-            </a:r>
-            <a:endParaRPr lang="en-US" altLang="zh-CN" sz="3300" dirty="0"/>
-          </a:p>
-          <a:p>
-            <a:pPr marL="514350" indent="-514350">
-              <a:lnSpc>
-                <a:spcPct val="150000"/>
-              </a:lnSpc>
-              <a:spcBef>
-                <a:spcPts val="0"/>
-              </a:spcBef>
-              <a:buFont typeface="+mj-lt"/>
-              <a:buAutoNum type="arabicPeriod"/>
-            </a:pPr>
-            <a:r>
-              <a:rPr lang="zh-CN" altLang="en-US" sz="3300" dirty="0"/>
-              <a:t>验证搜索结果否包含</a:t>
-            </a:r>
-            <a:r>
-              <a:rPr lang="en-US" altLang="zh-CN" sz="3300" dirty="0"/>
-              <a:t>excel</a:t>
-            </a:r>
-            <a:r>
-              <a:rPr lang="zh-CN" altLang="en-US" sz="3300" dirty="0"/>
-              <a:t>文件每行第二个单词，如果存在执行成功，不存在，则执行失败</a:t>
-            </a:r>
-            <a:r>
-              <a:rPr lang="zh-CN" altLang="en-US" sz="3300" dirty="0" smtClean="0"/>
-              <a:t>。</a:t>
-            </a:r>
-            <a:r>
-              <a:rPr lang="en-US" altLang="zh-CN" sz="3300" dirty="0" smtClean="0"/>
-              <a:t>https</a:t>
-            </a:r>
-            <a:r>
-              <a:rPr lang="en-US" altLang="zh-CN" sz="3300" dirty="0"/>
-              <a:t>://www.apache.org/dyn/closer.lua/poi/release/bin/poi-bin-3.14.zip</a:t>
-            </a:r>
-          </a:p>
-          <a:p>
-            <a:pPr marL="0" indent="0">
-              <a:lnSpc>
-                <a:spcPct val="150000"/>
-              </a:lnSpc>
-              <a:spcBef>
-                <a:spcPts val="0"/>
-              </a:spcBef>
-              <a:buNone/>
-            </a:pPr>
-            <a:r>
-              <a:rPr lang="zh-CN" altLang="en-US" sz="3300" dirty="0"/>
-              <a:t>详见：</a:t>
-            </a:r>
-            <a:r>
-              <a:rPr lang="en-US" altLang="zh-CN" sz="3300" dirty="0"/>
-              <a:t>ExcelDataProvider.java</a:t>
-            </a:r>
-            <a:endParaRPr lang="zh-CN" altLang="en-US" sz="3300" dirty="0"/>
-          </a:p>
-          <a:p>
-            <a:endParaRPr lang="zh-CN" altLang="en-US" dirty="0"/>
-          </a:p>
-        </p:txBody>
-      </p:sp>
-      <p:sp>
-        <p:nvSpPr>
-          <p:cNvPr id="2" name="标题 1"/>
+          <p:cNvPr id="3" name="标题 2"/>
           <p:cNvSpPr>
             <a:spLocks noGrp="1"/>
           </p:cNvSpPr>
@@ -2355,11 +2050,11 @@
           <a:lstStyle/>
           <a:p>
             <a:r>
-              <a:rPr lang="zh-CN" altLang="en-US" dirty="0" smtClean="0"/>
+              <a:rPr lang="zh-CN" altLang="en-US" dirty="0"/>
               <a:t>使用</a:t>
             </a:r>
             <a:r>
-              <a:rPr lang="en-US" altLang="zh-CN" dirty="0" err="1" smtClean="0"/>
+              <a:rPr lang="en-US" altLang="zh-CN" dirty="0" err="1"/>
               <a:t>TestNG</a:t>
             </a:r>
             <a:r>
@@ -2367,34 +2062,90 @@
               <a:t>和</a:t>
             </a:r>
             <a:r>
-              <a:rPr lang="en-US" altLang="zh-CN" dirty="0" smtClean="0"/>
-              <a:t>Excel</a:t>
-            </a:r>
-            <a:r>
-              <a:rPr lang="zh-CN" altLang="en-US" dirty="0" smtClean="0"/>
-              <a:t>文件实现数据驱动</a:t>
-            </a:r>
-            <a:endParaRPr lang="zh-CN" altLang="en-US" dirty="0"/>
+              <a:rPr lang="en-US" altLang="zh-CN" dirty="0"/>
+              <a:t>txt</a:t>
+            </a:r>
+            <a:r>
+              <a:rPr lang="zh-CN" altLang="en-US" dirty="0"/>
+              <a:t>文件进行数据驱动</a:t>
+            </a:r>
           </a:p>
         </p:txBody>
       </p:sp>
+      <p:pic>
+        <p:nvPicPr>
+          <p:cNvPr id="4098" name="Picture 2"/>
+          <p:cNvPicPr>
+            <a:picLocks noChangeAspect="1" noChangeArrowheads="1"/>
+          </p:cNvPicPr>
+          <p:nvPr/>
+        </p:nvPicPr>
+        <p:blipFill>
+          <a:blip r:embed="rId2">
+            <a:extLst>
+              <a:ext uri="{28A0092B-C50C-407E-A947-70E740481C1C}">
+                <a14:useLocalDpi xmlns:a14="http://schemas.microsoft.com/office/drawing/2010/main" val="0"/>
+              </a:ext>
+            </a:extLst>
+          </a:blip>
+          <a:srcRect/>
+          <a:stretch>
+            <a:fillRect/>
+          </a:stretch>
+        </p:blipFill>
+        <p:spPr bwMode="auto">
+          <a:xfrm>
+            <a:off x="1187624" y="1203598"/>
+            <a:ext cx="6124575" cy="2486025"/>
+          </a:xfrm>
+          <a:prstGeom prst="rect">
+            <a:avLst/>
+          </a:prstGeom>
+          <a:noFill/>
+          <a:ln>
+            <a:noFill/>
+          </a:ln>
+          <a:effectLst/>
+          <a:extLst>
+            <a:ext uri="{909E8E84-426E-40DD-AFC4-6F175D3DCCD1}">
+              <a14:hiddenFill xmlns:a14="http://schemas.microsoft.com/office/drawing/2010/main">
+                <a:solidFill>
+                  <a:schemeClr val="accent1"/>
+                </a:solidFill>
+              </a14:hiddenFill>
+            </a:ext>
+            <a:ext uri="{91240B29-F687-4F45-9708-019B960494DF}">
+              <a14:hiddenLine xmlns:a14="http://schemas.microsoft.com/office/drawing/2010/main" w="9525">
+                <a:solidFill>
+                  <a:schemeClr val="tx1"/>
+                </a:solidFill>
+                <a:miter lim="800000"/>
+                <a:headEnd/>
+                <a:tailEnd/>
+              </a14:hiddenLine>
+            </a:ext>
+            <a:ext uri="{AF507438-7753-43E0-B8FC-AC1667EBCBE1}">
+              <a14:hiddenEffects xmlns:a14="http://schemas.microsoft.com/office/drawing/2010/main">
+                <a:effectLst>
+                  <a:outerShdw dist="35921" dir="2700000" algn="ctr" rotWithShape="0">
+                    <a:schemeClr val="bg2"/>
+                  </a:outerShdw>
+                </a:effectLst>
+              </a14:hiddenEffects>
+            </a:ext>
+          </a:extLst>
+        </p:spPr>
+      </p:pic>
     </p:spTree>
     <p:extLst>
       <p:ext uri="{BB962C8B-B14F-4D97-AF65-F5344CB8AC3E}">
-        <p14:creationId xmlns:p14="http://schemas.microsoft.com/office/powerpoint/2010/main" val="638937156"/>
+        <p14:creationId xmlns:p14="http://schemas.microsoft.com/office/powerpoint/2010/main" val="1417765424"/>
       </p:ext>
     </p:extLst>
   </p:cSld>
   <p:clrMapOvr>
     <a:masterClrMapping/>
   </p:clrMapOvr>
-  <p:timing>
-    <p:tnLst>
-      <p:par>
-        <p:cTn id="1" dur="indefinite" restart="never" nodeType="tmRoot"/>
-      </p:par>
-    </p:tnLst>
-  </p:timing>
 </p:sld>
 </file>
 
@@ -2534,38 +2285,74 @@
               <a:buNone/>
             </a:pPr>
             <a:r>
-              <a:rPr lang="en-US" altLang="zh-CN" dirty="0" smtClean="0"/>
+              <a:rPr lang="en-US" altLang="zh-CN" dirty="0" smtClean="0">
+                <a:solidFill>
+                  <a:srgbClr val="FF0000"/>
+                </a:solidFill>
+              </a:rPr>
               <a:t>9.4 </a:t>
             </a:r>
             <a:r>
-              <a:rPr lang="zh-CN" altLang="en-US" dirty="0"/>
+              <a:rPr lang="zh-CN" altLang="en-US" dirty="0">
+                <a:solidFill>
+                  <a:srgbClr val="FF0000"/>
+                </a:solidFill>
+              </a:rPr>
               <a:t>使用</a:t>
             </a:r>
             <a:r>
-              <a:rPr lang="en-US" altLang="zh-CN" dirty="0" err="1"/>
+              <a:rPr lang="en-US" altLang="zh-CN" dirty="0" err="1">
+                <a:solidFill>
+                  <a:srgbClr val="FF0000"/>
+                </a:solidFill>
+              </a:rPr>
               <a:t>TestNG</a:t>
             </a:r>
             <a:r>
-              <a:rPr lang="zh-CN" altLang="en-US" dirty="0"/>
+              <a:rPr lang="zh-CN" altLang="en-US" dirty="0">
+                <a:solidFill>
+                  <a:srgbClr val="FF0000"/>
+                </a:solidFill>
+              </a:rPr>
               <a:t>、</a:t>
             </a:r>
             <a:r>
-              <a:rPr lang="en-US" altLang="zh-CN" dirty="0"/>
+              <a:rPr lang="en-US" altLang="zh-CN" dirty="0">
+                <a:solidFill>
+                  <a:srgbClr val="FF0000"/>
+                </a:solidFill>
+              </a:rPr>
               <a:t>Apache POI </a:t>
             </a:r>
             <a:r>
-              <a:rPr lang="zh-CN" altLang="en-US" dirty="0"/>
+              <a:rPr lang="zh-CN" altLang="en-US" dirty="0">
+                <a:solidFill>
+                  <a:srgbClr val="FF0000"/>
+                </a:solidFill>
+              </a:rPr>
               <a:t>和</a:t>
             </a:r>
             <a:r>
-              <a:rPr lang="en-US" altLang="zh-CN" dirty="0"/>
+              <a:rPr lang="en-US" altLang="zh-CN" dirty="0">
+                <a:solidFill>
+                  <a:srgbClr val="FF0000"/>
+                </a:solidFill>
+              </a:rPr>
               <a:t>Excel</a:t>
             </a:r>
             <a:r>
-              <a:rPr lang="zh-CN" altLang="en-US" dirty="0"/>
+              <a:rPr lang="zh-CN" altLang="en-US" dirty="0">
+                <a:solidFill>
+                  <a:srgbClr val="FF0000"/>
+                </a:solidFill>
+              </a:rPr>
               <a:t>文件进行数据驱动</a:t>
             </a:r>
-            <a:endParaRPr lang="en-US" altLang="zh-CN" dirty="0"/>
+            <a:endParaRPr lang="en-US" altLang="zh-CN" dirty="0">
+              <a:solidFill>
+                <a:srgbClr val="FF0000"/>
+              </a:solidFill>
+            </a:endParaRPr>
           </a:p>
           <a:p>
             <a:pPr marL="109537" indent="0">
@@ -2578,74 +2365,38 @@
               <a:buNone/>
             </a:pPr>
             <a:r>
-              <a:rPr lang="en-US" altLang="zh-CN" dirty="0" smtClean="0">
-                <a:solidFill>
-                  <a:srgbClr val="FF0000"/>
-                </a:solidFill>
-              </a:rPr>
+              <a:rPr lang="en-US" altLang="zh-CN" dirty="0" smtClean="0"/>
               <a:t>9.5 </a:t>
             </a:r>
             <a:r>
-              <a:rPr lang="zh-CN" altLang="en-US" dirty="0" smtClean="0">
-                <a:solidFill>
-                  <a:srgbClr val="FF0000"/>
-                </a:solidFill>
-              </a:rPr>
+              <a:rPr lang="zh-CN" altLang="en-US" dirty="0" smtClean="0"/>
               <a:t>使用</a:t>
             </a:r>
             <a:r>
-              <a:rPr lang="en-US" altLang="zh-CN" dirty="0">
-                <a:solidFill>
-                  <a:srgbClr val="FF0000"/>
-                </a:solidFill>
-              </a:rPr>
+              <a:rPr lang="en-US" altLang="zh-CN" dirty="0"/>
               <a:t>MySQL</a:t>
             </a:r>
             <a:r>
-              <a:rPr lang="zh-CN" altLang="en-US" dirty="0">
-                <a:solidFill>
-                  <a:srgbClr val="FF0000"/>
-                </a:solidFill>
-              </a:rPr>
+              <a:rPr lang="zh-CN" altLang="en-US" dirty="0"/>
               <a:t>数据库实现数据驱动</a:t>
             </a:r>
             <a:r>
-              <a:rPr lang="zh-CN" altLang="en-US" dirty="0" smtClean="0">
-                <a:solidFill>
-                  <a:srgbClr val="FF0000"/>
-                </a:solidFill>
-              </a:rPr>
+              <a:rPr lang="zh-CN" altLang="en-US" dirty="0" smtClean="0"/>
               <a:t>测试</a:t>
             </a:r>
             <a:r>
-              <a:rPr lang="en-US" altLang="zh-CN" dirty="0" smtClean="0">
-                <a:solidFill>
-                  <a:srgbClr val="FF0000"/>
-                </a:solidFill>
-              </a:rPr>
+              <a:rPr lang="en-US" altLang="zh-CN" dirty="0" smtClean="0"/>
               <a:t>(</a:t>
             </a:r>
             <a:r>
-              <a:rPr lang="en-US" altLang="zh-CN" dirty="0" err="1" smtClean="0">
-                <a:solidFill>
-                  <a:srgbClr val="FF0000"/>
-                </a:solidFill>
-              </a:rPr>
+              <a:rPr lang="en-US" altLang="zh-CN" dirty="0" err="1" smtClean="0"/>
               <a:t>JDBC</a:t>
             </a:r>
             <a:r>
-              <a:rPr lang="en-US" altLang="zh-CN" dirty="0" smtClean="0">
-                <a:solidFill>
-                  <a:srgbClr val="FF0000"/>
-                </a:solidFill>
-              </a:rPr>
+              <a:rPr lang="en-US" altLang="zh-CN" dirty="0" smtClean="0"/>
               <a:t>)</a:t>
             </a:r>
-            <a:endParaRPr lang="en-US" altLang="zh-CN" dirty="0">
-              <a:solidFill>
-                <a:srgbClr val="FF0000"/>
-              </a:solidFill>
-            </a:endParaRPr>
+            <a:endParaRPr lang="en-US" altLang="zh-CN" dirty="0"/>
           </a:p>
           <a:p>
             <a:endParaRPr lang="zh-CN" altLang="en-US" dirty="0"/>
@@ -2715,6 +2466,164 @@
       </p:grpSpPr>
       <p:sp>
         <p:nvSpPr>
+          <p:cNvPr id="4" name="内容占位符 3"/>
+          <p:cNvSpPr>
+            <a:spLocks noGrp="1"/>
+          </p:cNvSpPr>
+          <p:nvPr>
+            <p:ph idx="1"/>
+          </p:nvPr>
+        </p:nvSpPr>
+        <p:spPr>
+          <a:xfrm>
+            <a:off x="457994" y="843558"/>
+            <a:ext cx="8229600" cy="4299942"/>
+          </a:xfrm>
+        </p:spPr>
+        <p:txBody>
+          <a:bodyPr>
+            <a:normAutofit fontScale="70000" lnSpcReduction="20000"/>
+          </a:bodyPr>
+          <a:lstStyle/>
+          <a:p>
+            <a:r>
+              <a:rPr lang="zh-CN" altLang="en-US" dirty="0"/>
+              <a:t>测试流程</a:t>
+            </a:r>
+            <a:endParaRPr lang="en-US" altLang="zh-CN" dirty="0"/>
+          </a:p>
+          <a:p>
+            <a:pPr marL="514350" indent="-514350">
+              <a:lnSpc>
+                <a:spcPct val="150000"/>
+              </a:lnSpc>
+              <a:spcBef>
+                <a:spcPts val="0"/>
+              </a:spcBef>
+              <a:buFont typeface="+mj-lt"/>
+              <a:buAutoNum type="arabicPeriod"/>
+            </a:pPr>
+            <a:r>
+              <a:rPr lang="zh-CN" altLang="en-US" sz="3300" dirty="0"/>
+              <a:t>打开百度首页</a:t>
+            </a:r>
+            <a:endParaRPr lang="en-US" altLang="zh-CN" sz="3300" dirty="0"/>
+          </a:p>
+          <a:p>
+            <a:pPr marL="514350" indent="-514350">
+              <a:lnSpc>
+                <a:spcPct val="150000"/>
+              </a:lnSpc>
+              <a:spcBef>
+                <a:spcPts val="0"/>
+              </a:spcBef>
+              <a:buFont typeface="+mj-lt"/>
+              <a:buAutoNum type="arabicPeriod"/>
+            </a:pPr>
+            <a:r>
+              <a:rPr lang="zh-CN" altLang="en-US" sz="3300" dirty="0"/>
+              <a:t>从</a:t>
+            </a:r>
+            <a:r>
+              <a:rPr lang="en-US" altLang="zh-CN" sz="3300" dirty="0"/>
+              <a:t>excel</a:t>
+            </a:r>
+            <a:r>
+              <a:rPr lang="zh-CN" altLang="en-US" sz="3300" dirty="0"/>
+              <a:t>文件中读取每行的第一个单元格内容作为输入关键词</a:t>
+            </a:r>
+            <a:endParaRPr lang="en-US" altLang="zh-CN" sz="3300" dirty="0"/>
+          </a:p>
+          <a:p>
+            <a:pPr marL="514350" indent="-514350">
+              <a:lnSpc>
+                <a:spcPct val="150000"/>
+              </a:lnSpc>
+              <a:spcBef>
+                <a:spcPts val="0"/>
+              </a:spcBef>
+              <a:buFont typeface="+mj-lt"/>
+              <a:buAutoNum type="arabicPeriod"/>
+            </a:pPr>
+            <a:r>
+              <a:rPr lang="zh-CN" altLang="en-US" sz="3300" dirty="0"/>
+              <a:t>单击搜索按钮</a:t>
+            </a:r>
+            <a:endParaRPr lang="en-US" altLang="zh-CN" sz="3300" dirty="0"/>
+          </a:p>
+          <a:p>
+            <a:pPr marL="514350" indent="-514350">
+              <a:lnSpc>
+                <a:spcPct val="150000"/>
+              </a:lnSpc>
+              <a:spcBef>
+                <a:spcPts val="0"/>
+              </a:spcBef>
+              <a:buFont typeface="+mj-lt"/>
+              <a:buAutoNum type="arabicPeriod"/>
+            </a:pPr>
+            <a:r>
+              <a:rPr lang="zh-CN" altLang="en-US" sz="3300" dirty="0"/>
+              <a:t>验证搜索结果否包含</a:t>
+            </a:r>
+            <a:r>
+              <a:rPr lang="en-US" altLang="zh-CN" sz="3300" dirty="0"/>
+              <a:t>excel</a:t>
+            </a:r>
+            <a:r>
+              <a:rPr lang="zh-CN" altLang="en-US" sz="3300" dirty="0"/>
+              <a:t>文件每行第二个单词，如果存在执行成功，不存在，则执行失败</a:t>
+            </a:r>
+            <a:r>
+              <a:rPr lang="zh-CN" altLang="en-US" sz="3300" dirty="0" smtClean="0"/>
+              <a:t>。</a:t>
+            </a:r>
+            <a:r>
+              <a:rPr lang="en-US" altLang="zh-CN" sz="3300" dirty="0">
+                <a:hlinkClick r:id="rId2"/>
+              </a:rPr>
+              <a:t>https://</a:t>
+            </a:r>
+            <a:r>
+              <a:rPr lang="en-US" altLang="zh-CN" sz="3300" dirty="0" smtClean="0">
+                <a:hlinkClick r:id="rId2"/>
+              </a:rPr>
+              <a:t>poi.apache.org/download.html</a:t>
+            </a:r>
+            <a:endParaRPr lang="en-US" altLang="zh-CN" sz="3300" dirty="0" smtClean="0"/>
+          </a:p>
+          <a:p>
+            <a:pPr marL="514350" indent="-514350">
+              <a:lnSpc>
+                <a:spcPct val="150000"/>
+              </a:lnSpc>
+              <a:spcBef>
+                <a:spcPts val="0"/>
+              </a:spcBef>
+              <a:buFont typeface="+mj-lt"/>
+              <a:buAutoNum type="arabicPeriod"/>
+            </a:pPr>
+            <a:r>
+              <a:rPr lang="zh-CN" altLang="en-US" sz="3300" dirty="0" smtClean="0"/>
+              <a:t>详</a:t>
+            </a:r>
+            <a:r>
+              <a:rPr lang="zh-CN" altLang="en-US" sz="3300" dirty="0"/>
+              <a:t>见：</a:t>
+            </a:r>
+            <a:r>
+              <a:rPr lang="en-US" altLang="zh-CN" sz="3300" dirty="0"/>
+              <a:t>ExcelDataProvider.java</a:t>
+            </a:r>
+            <a:endParaRPr lang="zh-CN" altLang="en-US" sz="3300" dirty="0"/>
+          </a:p>
+          <a:p>
+            <a:endParaRPr lang="zh-CN" altLang="en-US" dirty="0"/>
+          </a:p>
+        </p:txBody>
+      </p:sp>
+      <p:sp>
+        <p:nvSpPr>
           <p:cNvPr id="2" name="标题 1"/>
           <p:cNvSpPr>
             <a:spLocks noGrp="1"/>
@@ -2723,12 +2632,7 @@
             <p:ph type="title"/>
           </p:nvPr>
         </p:nvSpPr>
-        <p:spPr>
-          <a:xfrm>
-            <a:off x="-9602" y="0"/>
-            <a:ext cx="9910194" cy="614150"/>
-          </a:xfrm>
-        </p:spPr>
+        <p:spPr/>
         <p:txBody>
           <a:bodyPr>
             <a:normAutofit fontScale="90000"/>
@@ -2740,146 +2644,29 @@
               <a:t>使用</a:t>
             </a:r>
             <a:r>
+              <a:rPr lang="en-US" altLang="zh-CN" dirty="0" err="1" smtClean="0"/>
+              <a:t>TestNG</a:t>
+            </a:r>
+            <a:r>
+              <a:rPr lang="zh-CN" altLang="en-US" dirty="0"/>
+              <a:t>和</a:t>
+            </a:r>
+            <a:r>
               <a:rPr lang="en-US" altLang="zh-CN" dirty="0" smtClean="0"/>
-              <a:t>MySQL</a:t>
+              <a:t>Excel</a:t>
             </a:r>
             <a:r>
               <a:rPr lang="zh-CN" altLang="en-US" dirty="0" smtClean="0"/>
-              <a:t>数据库实现数据驱动测试</a:t>
+              <a:t>文件实现数据驱动</a:t>
             </a:r>
             <a:endParaRPr lang="zh-CN" altLang="en-US" dirty="0"/>
-          </a:p>
-        </p:txBody>
-      </p:sp>
-      <p:sp>
-        <p:nvSpPr>
-          <p:cNvPr id="4" name="矩形 3"/>
-          <p:cNvSpPr/>
-          <p:nvPr/>
-        </p:nvSpPr>
-        <p:spPr>
-          <a:xfrm>
-            <a:off x="323528" y="789552"/>
-            <a:ext cx="8046640" cy="3271024"/>
-          </a:xfrm>
-          <a:prstGeom prst="rect">
-            <a:avLst/>
-          </a:prstGeom>
-        </p:spPr>
-        <p:txBody>
-          <a:bodyPr wrap="square">
-            <a:spAutoFit/>
-          </a:bodyPr>
-          <a:lstStyle/>
-          <a:p>
-            <a:pPr marL="342900" indent="-342900">
-              <a:lnSpc>
-                <a:spcPct val="80000"/>
-              </a:lnSpc>
-              <a:spcBef>
-                <a:spcPct val="20000"/>
-              </a:spcBef>
-              <a:buFont typeface="Wingdings" panose="05000000000000000000" pitchFamily="2" charset="2"/>
-              <a:buChar char="Ø"/>
-            </a:pPr>
-            <a:r>
-              <a:rPr lang="zh-CN" altLang="en-US" sz="2800" dirty="0">
-                <a:latin typeface="微软雅黑" panose="020B0503020204020204" pitchFamily="34" charset="-122"/>
-                <a:ea typeface="微软雅黑" panose="020B0503020204020204" pitchFamily="34" charset="-122"/>
-              </a:rPr>
-              <a:t>测试流程</a:t>
-            </a:r>
-            <a:endParaRPr lang="en-US" altLang="zh-CN" sz="2400" dirty="0">
-              <a:latin typeface="微软雅黑" panose="020B0503020204020204" pitchFamily="34" charset="-122"/>
-              <a:ea typeface="微软雅黑" panose="020B0503020204020204" pitchFamily="34" charset="-122"/>
-            </a:endParaRPr>
-          </a:p>
-          <a:p>
-            <a:pPr marL="514350" indent="-514350">
-              <a:lnSpc>
-                <a:spcPct val="130000"/>
-              </a:lnSpc>
-              <a:buFont typeface="+mj-lt"/>
-              <a:buAutoNum type="arabicPeriod"/>
-            </a:pPr>
-            <a:r>
-              <a:rPr lang="zh-CN" altLang="en-US" sz="2400" dirty="0">
-                <a:latin typeface="微软雅黑" panose="020B0503020204020204" pitchFamily="34" charset="-122"/>
-                <a:ea typeface="微软雅黑" panose="020B0503020204020204" pitchFamily="34" charset="-122"/>
-              </a:rPr>
-              <a:t>打开百度首页</a:t>
-            </a:r>
-            <a:endParaRPr lang="en-US" altLang="zh-CN" sz="2400" dirty="0">
-              <a:latin typeface="微软雅黑" panose="020B0503020204020204" pitchFamily="34" charset="-122"/>
-              <a:ea typeface="微软雅黑" panose="020B0503020204020204" pitchFamily="34" charset="-122"/>
-            </a:endParaRPr>
-          </a:p>
-          <a:p>
-            <a:pPr marL="514350" indent="-514350">
-              <a:lnSpc>
-                <a:spcPct val="130000"/>
-              </a:lnSpc>
-              <a:buFont typeface="+mj-lt"/>
-              <a:buAutoNum type="arabicPeriod"/>
-            </a:pPr>
-            <a:r>
-              <a:rPr lang="zh-CN" altLang="en-US" sz="2400" dirty="0">
-                <a:latin typeface="微软雅黑" panose="020B0503020204020204" pitchFamily="34" charset="-122"/>
-                <a:ea typeface="微软雅黑" panose="020B0503020204020204" pitchFamily="34" charset="-122"/>
-              </a:rPr>
-              <a:t>从数据库测试表中读取每行的第一列内容作为输入关键词</a:t>
-            </a:r>
-            <a:endParaRPr lang="en-US" altLang="zh-CN" sz="2400" dirty="0">
-              <a:latin typeface="微软雅黑" panose="020B0503020204020204" pitchFamily="34" charset="-122"/>
-              <a:ea typeface="微软雅黑" panose="020B0503020204020204" pitchFamily="34" charset="-122"/>
-            </a:endParaRPr>
-          </a:p>
-          <a:p>
-            <a:pPr marL="514350" indent="-514350">
-              <a:lnSpc>
-                <a:spcPct val="130000"/>
-              </a:lnSpc>
-              <a:buFont typeface="+mj-lt"/>
-              <a:buAutoNum type="arabicPeriod"/>
-            </a:pPr>
-            <a:r>
-              <a:rPr lang="zh-CN" altLang="en-US" sz="2400" dirty="0">
-                <a:latin typeface="微软雅黑" panose="020B0503020204020204" pitchFamily="34" charset="-122"/>
-                <a:ea typeface="微软雅黑" panose="020B0503020204020204" pitchFamily="34" charset="-122"/>
-              </a:rPr>
-              <a:t>单击搜索按钮</a:t>
-            </a:r>
-            <a:endParaRPr lang="en-US" altLang="zh-CN" sz="2400" dirty="0">
-              <a:latin typeface="微软雅黑" panose="020B0503020204020204" pitchFamily="34" charset="-122"/>
-              <a:ea typeface="微软雅黑" panose="020B0503020204020204" pitchFamily="34" charset="-122"/>
-            </a:endParaRPr>
-          </a:p>
-          <a:p>
-            <a:pPr marL="514350" indent="-514350">
-              <a:lnSpc>
-                <a:spcPct val="130000"/>
-              </a:lnSpc>
-              <a:buFont typeface="+mj-lt"/>
-              <a:buAutoNum type="arabicPeriod"/>
-            </a:pPr>
-            <a:r>
-              <a:rPr lang="zh-CN" altLang="en-US" sz="2400" dirty="0">
-                <a:latin typeface="微软雅黑" panose="020B0503020204020204" pitchFamily="34" charset="-122"/>
-                <a:ea typeface="微软雅黑" panose="020B0503020204020204" pitchFamily="34" charset="-122"/>
-              </a:rPr>
-              <a:t>验证搜索结果否包含数据库测试表每行第二个单词，如果存在执行成功，不存在，则执行失败。</a:t>
-            </a:r>
-            <a:endParaRPr lang="en-US" altLang="zh-CN" sz="2400" dirty="0">
-              <a:latin typeface="微软雅黑" panose="020B0503020204020204" pitchFamily="34" charset="-122"/>
-              <a:ea typeface="微软雅黑" panose="020B0503020204020204" pitchFamily="34" charset="-122"/>
-            </a:endParaRPr>
           </a:p>
         </p:txBody>
       </p:sp>
     </p:spTree>
     <p:extLst>
       <p:ext uri="{BB962C8B-B14F-4D97-AF65-F5344CB8AC3E}">
-        <p14:creationId xmlns:p14="http://schemas.microsoft.com/office/powerpoint/2010/main" val="4182786272"/>
+        <p14:creationId xmlns:p14="http://schemas.microsoft.com/office/powerpoint/2010/main" val="638937156"/>
       </p:ext>
     </p:extLst>
   </p:cSld>
@@ -2915,6 +2702,290 @@
       </p:grpSpPr>
       <p:sp>
         <p:nvSpPr>
+          <p:cNvPr id="2" name="标题 1"/>
+          <p:cNvSpPr>
+            <a:spLocks noGrp="1"/>
+          </p:cNvSpPr>
+          <p:nvPr>
+            <p:ph type="title"/>
+          </p:nvPr>
+        </p:nvSpPr>
+        <p:spPr/>
+        <p:txBody>
+          <a:bodyPr>
+            <a:normAutofit fontScale="90000"/>
+          </a:bodyPr>
+          <a:lstStyle/>
+          <a:p>
+            <a:r>
+              <a:rPr lang="zh-CN" altLang="en-US" dirty="0" smtClean="0"/>
+              <a:t>使用</a:t>
+            </a:r>
+            <a:r>
+              <a:rPr lang="en-US" altLang="zh-CN" dirty="0" err="1" smtClean="0"/>
+              <a:t>TestNG</a:t>
+            </a:r>
+            <a:r>
+              <a:rPr lang="zh-CN" altLang="en-US" dirty="0"/>
+              <a:t>和</a:t>
+            </a:r>
+            <a:r>
+              <a:rPr lang="en-US" altLang="zh-CN" dirty="0" smtClean="0"/>
+              <a:t>Excel</a:t>
+            </a:r>
+            <a:r>
+              <a:rPr lang="zh-CN" altLang="en-US" dirty="0" smtClean="0"/>
+              <a:t>文件实现数据驱动</a:t>
+            </a:r>
+            <a:endParaRPr lang="zh-CN" altLang="en-US" dirty="0"/>
+          </a:p>
+        </p:txBody>
+      </p:sp>
+      <p:pic>
+        <p:nvPicPr>
+          <p:cNvPr id="5122" name="Picture 2"/>
+          <p:cNvPicPr>
+            <a:picLocks noChangeAspect="1" noChangeArrowheads="1"/>
+          </p:cNvPicPr>
+          <p:nvPr/>
+        </p:nvPicPr>
+        <p:blipFill>
+          <a:blip r:embed="rId2">
+            <a:extLst>
+              <a:ext uri="{28A0092B-C50C-407E-A947-70E740481C1C}">
+                <a14:useLocalDpi xmlns:a14="http://schemas.microsoft.com/office/drawing/2010/main" val="0"/>
+              </a:ext>
+            </a:extLst>
+          </a:blip>
+          <a:srcRect/>
+          <a:stretch>
+            <a:fillRect/>
+          </a:stretch>
+        </p:blipFill>
+        <p:spPr bwMode="auto">
+          <a:xfrm>
+            <a:off x="266700" y="919163"/>
+            <a:ext cx="8609013" cy="3305175"/>
+          </a:xfrm>
+          <a:prstGeom prst="rect">
+            <a:avLst/>
+          </a:prstGeom>
+          <a:noFill/>
+          <a:ln>
+            <a:noFill/>
+          </a:ln>
+          <a:effectLst/>
+          <a:extLst>
+            <a:ext uri="{909E8E84-426E-40DD-AFC4-6F175D3DCCD1}">
+              <a14:hiddenFill xmlns:a14="http://schemas.microsoft.com/office/drawing/2010/main">
+                <a:solidFill>
+                  <a:schemeClr val="accent1"/>
+                </a:solidFill>
+              </a14:hiddenFill>
+            </a:ext>
+            <a:ext uri="{91240B29-F687-4F45-9708-019B960494DF}">
+              <a14:hiddenLine xmlns:a14="http://schemas.microsoft.com/office/drawing/2010/main" w="9525">
+                <a:solidFill>
+                  <a:schemeClr val="tx1"/>
+                </a:solidFill>
+                <a:miter lim="800000"/>
+                <a:headEnd/>
+                <a:tailEnd/>
+              </a14:hiddenLine>
+            </a:ext>
+            <a:ext uri="{AF507438-7753-43E0-B8FC-AC1667EBCBE1}">
+              <a14:hiddenEffects xmlns:a14="http://schemas.microsoft.com/office/drawing/2010/main">
+                <a:effectLst>
+                  <a:outerShdw dist="35921" dir="2700000" algn="ctr" rotWithShape="0">
+                    <a:schemeClr val="bg2"/>
+                  </a:outerShdw>
+                </a:effectLst>
+              </a14:hiddenEffects>
+            </a:ext>
+          </a:extLst>
+        </p:spPr>
+      </p:pic>
+    </p:spTree>
+    <p:extLst>
+      <p:ext uri="{BB962C8B-B14F-4D97-AF65-F5344CB8AC3E}">
+        <p14:creationId xmlns:p14="http://schemas.microsoft.com/office/powerpoint/2010/main" val="4167466867"/>
+      </p:ext>
+    </p:extLst>
+  </p:cSld>
+  <p:clrMapOvr>
+    <a:masterClrMapping/>
+  </p:clrMapOvr>
+  <p:timing>
+    <p:tnLst>
+      <p:par>
+        <p:cTn id="1" dur="indefinite" restart="never" nodeType="tmRoot"/>
+      </p:par>
+    </p:tnLst>
+  </p:timing>
+</p:sld>
+</file>
+
+<file path=ppt/slides/slide16.xml><?xml version="1.0" encoding="utf-8"?>
+<p:sld xmlns:a="http://schemas.openxmlformats.org/drawingml/2006/main" xmlns:r="http://schemas.openxmlformats.org/officeDocument/2006/relationships" xmlns:p="http://schemas.openxmlformats.org/presentationml/2006/main">
+  <p:cSld>
+    <p:spTree>
+      <p:nvGrpSpPr>
+        <p:cNvPr id="1" name=""/>
+        <p:cNvGrpSpPr/>
+        <p:nvPr/>
+      </p:nvGrpSpPr>
+      <p:grpSpPr>
+        <a:xfrm>
+          <a:off x="0" y="0"/>
+          <a:ext cx="0" cy="0"/>
+          <a:chOff x="0" y="0"/>
+          <a:chExt cx="0" cy="0"/>
+        </a:xfrm>
+      </p:grpSpPr>
+      <p:sp>
+        <p:nvSpPr>
+          <p:cNvPr id="2" name="标题 1"/>
+          <p:cNvSpPr>
+            <a:spLocks noGrp="1"/>
+          </p:cNvSpPr>
+          <p:nvPr>
+            <p:ph type="title"/>
+          </p:nvPr>
+        </p:nvSpPr>
+        <p:spPr/>
+        <p:txBody>
+          <a:bodyPr>
+            <a:normAutofit fontScale="90000"/>
+          </a:bodyPr>
+          <a:lstStyle/>
+          <a:p>
+            <a:r>
+              <a:rPr lang="zh-CN" altLang="en-US" dirty="0" smtClean="0"/>
+              <a:t>使用</a:t>
+            </a:r>
+            <a:r>
+              <a:rPr lang="en-US" altLang="zh-CN" dirty="0" err="1" smtClean="0"/>
+              <a:t>TestNG</a:t>
+            </a:r>
+            <a:r>
+              <a:rPr lang="zh-CN" altLang="en-US" dirty="0"/>
+              <a:t>和</a:t>
+            </a:r>
+            <a:r>
+              <a:rPr lang="en-US" altLang="zh-CN" dirty="0" smtClean="0"/>
+              <a:t>Excel</a:t>
+            </a:r>
+            <a:r>
+              <a:rPr lang="zh-CN" altLang="en-US" dirty="0" smtClean="0"/>
+              <a:t>文件实现数据驱动</a:t>
+            </a:r>
+            <a:endParaRPr lang="zh-CN" altLang="en-US" dirty="0"/>
+          </a:p>
+        </p:txBody>
+      </p:sp>
+      <p:pic>
+        <p:nvPicPr>
+          <p:cNvPr id="6146" name="Picture 2"/>
+          <p:cNvPicPr>
+            <a:picLocks noChangeAspect="1" noChangeArrowheads="1"/>
+          </p:cNvPicPr>
+          <p:nvPr/>
+        </p:nvPicPr>
+        <p:blipFill>
+          <a:blip r:embed="rId2">
+            <a:extLst>
+              <a:ext uri="{28A0092B-C50C-407E-A947-70E740481C1C}">
+                <a14:useLocalDpi xmlns:a14="http://schemas.microsoft.com/office/drawing/2010/main" val="0"/>
+              </a:ext>
+            </a:extLst>
+          </a:blip>
+          <a:srcRect/>
+          <a:stretch>
+            <a:fillRect/>
+          </a:stretch>
+        </p:blipFill>
+        <p:spPr bwMode="auto">
+          <a:xfrm>
+            <a:off x="1190624" y="843558"/>
+            <a:ext cx="6761163" cy="3790950"/>
+          </a:xfrm>
+          <a:prstGeom prst="rect">
+            <a:avLst/>
+          </a:prstGeom>
+          <a:noFill/>
+          <a:ln>
+            <a:noFill/>
+          </a:ln>
+          <a:effectLst/>
+          <a:extLst>
+            <a:ext uri="{909E8E84-426E-40DD-AFC4-6F175D3DCCD1}">
+              <a14:hiddenFill xmlns:a14="http://schemas.microsoft.com/office/drawing/2010/main">
+                <a:solidFill>
+                  <a:schemeClr val="accent1"/>
+                </a:solidFill>
+              </a14:hiddenFill>
+            </a:ext>
+            <a:ext uri="{91240B29-F687-4F45-9708-019B960494DF}">
+              <a14:hiddenLine xmlns:a14="http://schemas.microsoft.com/office/drawing/2010/main" w="9525">
+                <a:solidFill>
+                  <a:schemeClr val="tx1"/>
+                </a:solidFill>
+                <a:miter lim="800000"/>
+                <a:headEnd/>
+                <a:tailEnd/>
+              </a14:hiddenLine>
+            </a:ext>
+            <a:ext uri="{AF507438-7753-43E0-B8FC-AC1667EBCBE1}">
+              <a14:hiddenEffects xmlns:a14="http://schemas.microsoft.com/office/drawing/2010/main">
+                <a:effectLst>
+                  <a:outerShdw dist="35921" dir="2700000" algn="ctr" rotWithShape="0">
+                    <a:schemeClr val="bg2"/>
+                  </a:outerShdw>
+                </a:effectLst>
+              </a14:hiddenEffects>
+            </a:ext>
+          </a:extLst>
+        </p:spPr>
+      </p:pic>
+    </p:spTree>
+    <p:extLst>
+      <p:ext uri="{BB962C8B-B14F-4D97-AF65-F5344CB8AC3E}">
+        <p14:creationId xmlns:p14="http://schemas.microsoft.com/office/powerpoint/2010/main" val="400227578"/>
+      </p:ext>
+    </p:extLst>
+  </p:cSld>
+  <p:clrMapOvr>
+    <a:masterClrMapping/>
+  </p:clrMapOvr>
+  <p:timing>
+    <p:tnLst>
+      <p:par>
+        <p:cTn id="1" dur="indefinite" restart="never" nodeType="tmRoot"/>
+      </p:par>
+    </p:tnLst>
+  </p:timing>
+</p:sld>
+</file>
+
+<file path=ppt/slides/slide17.xml><?xml version="1.0" encoding="utf-8"?>
+<p:sld xmlns:a="http://schemas.openxmlformats.org/drawingml/2006/main" xmlns:r="http://schemas.openxmlformats.org/officeDocument/2006/relationships" xmlns:p="http://schemas.openxmlformats.org/presentationml/2006/main">
+  <p:cSld>
+    <p:spTree>
+      <p:nvGrpSpPr>
+        <p:cNvPr id="1" name=""/>
+        <p:cNvGrpSpPr/>
+        <p:nvPr/>
+      </p:nvGrpSpPr>
+      <p:grpSpPr>
+        <a:xfrm>
+          <a:off x="0" y="0"/>
+          <a:ext cx="0" cy="0"/>
+          <a:chOff x="0" y="0"/>
+          <a:chExt cx="0" cy="0"/>
+        </a:xfrm>
+      </p:grpSpPr>
+      <p:sp>
+        <p:nvSpPr>
           <p:cNvPr id="2" name="内容占位符 1"/>
           <p:cNvSpPr>
             <a:spLocks noGrp="1"/>
@@ -2925,19 +2996,19 @@
         </p:nvSpPr>
         <p:spPr>
           <a:xfrm>
-            <a:off x="467544" y="735546"/>
-            <a:ext cx="8229600" cy="4137924"/>
+            <a:off x="457200" y="735547"/>
+            <a:ext cx="8579296" cy="3859077"/>
           </a:xfrm>
         </p:spPr>
         <p:txBody>
           <a:bodyPr>
-            <a:normAutofit fontScale="55000" lnSpcReduction="20000"/>
+            <a:normAutofit fontScale="92500" lnSpcReduction="20000"/>
           </a:bodyPr>
           <a:lstStyle/>
           <a:p>
-            <a:pPr marL="0" indent="0">
+            <a:pPr marL="109537" indent="0">
               <a:lnSpc>
-                <a:spcPct val="170000"/>
+                <a:spcPct val="150000"/>
               </a:lnSpc>
               <a:spcBef>
                 <a:spcPts val="0"/>
@@ -2945,55 +3016,19 @@
               <a:buNone/>
             </a:pPr>
             <a:r>
-              <a:rPr lang="en-US" altLang="zh-CN" sz="4000" dirty="0"/>
-              <a:t>1</a:t>
-            </a:r>
-            <a:r>
-              <a:rPr lang="en-US" altLang="zh-CN" sz="4000" dirty="0" smtClean="0"/>
-              <a:t>.</a:t>
-            </a:r>
-            <a:r>
-              <a:rPr lang="zh-CN" altLang="en-US" sz="4000" dirty="0"/>
-              <a:t>用户管理</a:t>
-            </a:r>
-            <a:r>
-              <a:rPr lang="en-US" altLang="zh-CN" sz="4000" dirty="0"/>
-              <a:t>/</a:t>
-            </a:r>
-            <a:r>
-              <a:rPr lang="zh-CN" altLang="en-US" sz="4000" dirty="0"/>
-              <a:t>用户级别划分</a:t>
-            </a:r>
-            <a:r>
-              <a:rPr lang="en-US" altLang="zh-CN" sz="4000" dirty="0"/>
-              <a:t>/</a:t>
-            </a:r>
-            <a:r>
-              <a:rPr lang="zh-CN" altLang="en-US" sz="4000" dirty="0"/>
-              <a:t>添加（</a:t>
-            </a:r>
-            <a:r>
-              <a:rPr lang="en-US" altLang="zh-CN" sz="4000" dirty="0" smtClean="0"/>
-              <a:t>txt</a:t>
-            </a:r>
-            <a:r>
-              <a:rPr lang="zh-CN" altLang="en-US" sz="4000" dirty="0" smtClean="0"/>
-              <a:t>或者</a:t>
-            </a:r>
-            <a:r>
-              <a:rPr lang="en-US" altLang="zh-CN" sz="4000" dirty="0" smtClean="0"/>
-              <a:t>excel</a:t>
-            </a:r>
-            <a:r>
-              <a:rPr lang="zh-CN" altLang="en-US" sz="4000" dirty="0" smtClean="0"/>
-              <a:t>的任选一种即可）</a:t>
-            </a:r>
-            <a:endParaRPr lang="en-US" altLang="zh-CN" sz="4000" dirty="0" smtClean="0"/>
-          </a:p>
-          <a:p>
-            <a:pPr marL="0" indent="0">
+              <a:rPr lang="en-US" altLang="zh-CN" dirty="0"/>
+              <a:t>9.1 </a:t>
+            </a:r>
+            <a:r>
+              <a:rPr lang="zh-CN" altLang="en-US" dirty="0"/>
+              <a:t>什么是数据驱动测试</a:t>
+            </a:r>
+            <a:endParaRPr lang="en-US" altLang="zh-CN" dirty="0"/>
+          </a:p>
+          <a:p>
+            <a:pPr marL="109537" indent="0">
               <a:lnSpc>
-                <a:spcPct val="170000"/>
+                <a:spcPct val="150000"/>
               </a:lnSpc>
               <a:spcBef>
                 <a:spcPts val="0"/>
@@ -3001,39 +3036,27 @@
               <a:buNone/>
             </a:pPr>
             <a:r>
-              <a:rPr lang="en-US" altLang="zh-CN" sz="4000" dirty="0"/>
-              <a:t>2</a:t>
-            </a:r>
-            <a:r>
-              <a:rPr lang="en-US" altLang="zh-CN" sz="4000" dirty="0" smtClean="0"/>
-              <a:t>.</a:t>
-            </a:r>
-            <a:r>
-              <a:rPr lang="zh-CN" altLang="en-US" sz="4000" dirty="0"/>
-              <a:t>影评管理</a:t>
-            </a:r>
-            <a:r>
-              <a:rPr lang="en-US" altLang="zh-CN" sz="4000" dirty="0"/>
-              <a:t>/</a:t>
-            </a:r>
-            <a:r>
-              <a:rPr lang="zh-CN" altLang="en-US" sz="4000" dirty="0"/>
-              <a:t>浏览影评信息</a:t>
-            </a:r>
-            <a:r>
-              <a:rPr lang="en-US" altLang="zh-CN" sz="4000" dirty="0"/>
-              <a:t>/</a:t>
-            </a:r>
-            <a:r>
-              <a:rPr lang="zh-CN" altLang="en-US" sz="4000" dirty="0"/>
-              <a:t> 删除（批量删除）</a:t>
-            </a:r>
-            <a:endParaRPr lang="en-US" altLang="zh-CN" sz="4000" dirty="0"/>
-          </a:p>
-          <a:p>
-            <a:pPr marL="0" indent="0">
+              <a:rPr lang="en-US" altLang="zh-CN" dirty="0"/>
+              <a:t>9.2 </a:t>
+            </a:r>
+            <a:r>
+              <a:rPr lang="zh-CN" altLang="en-US" dirty="0"/>
+              <a:t>使用</a:t>
+            </a:r>
+            <a:r>
+              <a:rPr lang="en-US" altLang="zh-CN" dirty="0" err="1"/>
+              <a:t>TestNG</a:t>
+            </a:r>
+            <a:r>
+              <a:rPr lang="zh-CN" altLang="en-US" dirty="0"/>
+              <a:t>进行数据驱动</a:t>
+            </a:r>
+            <a:endParaRPr lang="en-US" altLang="zh-CN" dirty="0"/>
+          </a:p>
+          <a:p>
+            <a:pPr marL="109537" indent="0">
               <a:lnSpc>
-                <a:spcPct val="170000"/>
+                <a:spcPct val="150000"/>
               </a:lnSpc>
               <a:spcBef>
                 <a:spcPts val="0"/>
@@ -3041,23 +3064,38 @@
               <a:buNone/>
             </a:pPr>
             <a:r>
-              <a:rPr lang="en-US" altLang="zh-CN" sz="4000" dirty="0"/>
-              <a:t>3</a:t>
-            </a:r>
-            <a:r>
-              <a:rPr lang="en-US" altLang="zh-CN" sz="4000" dirty="0" smtClean="0"/>
-              <a:t>.</a:t>
-            </a:r>
-            <a:r>
-              <a:rPr lang="zh-CN" altLang="en-US" sz="4000" dirty="0"/>
-              <a:t>把初始化的浏览器类型（火狐，谷歌），驱动的位置，</a:t>
-            </a:r>
-            <a:endParaRPr lang="en-US" altLang="zh-CN" sz="4000" dirty="0"/>
-          </a:p>
-          <a:p>
-            <a:pPr marL="0" indent="0">
+              <a:rPr lang="en-US" altLang="zh-CN" dirty="0"/>
+              <a:t>9.3 </a:t>
+            </a:r>
+            <a:r>
+              <a:rPr lang="zh-CN" altLang="en-US" dirty="0"/>
+              <a:t>使用</a:t>
+            </a:r>
+            <a:r>
+              <a:rPr lang="en-US" altLang="zh-CN" dirty="0" err="1"/>
+              <a:t>TestNG</a:t>
+            </a:r>
+            <a:r>
+              <a:rPr lang="zh-CN" altLang="en-US" dirty="0"/>
+              <a:t>和</a:t>
+            </a:r>
+            <a:r>
+              <a:rPr lang="en-US" altLang="zh-CN" dirty="0"/>
+              <a:t>txt</a:t>
+            </a:r>
+            <a:r>
+              <a:rPr lang="zh-CN" altLang="en-US" dirty="0"/>
+              <a:t>文件进行数据驱动</a:t>
+            </a:r>
+            <a:r>
+              <a:rPr lang="en-US" altLang="zh-CN" dirty="0"/>
+              <a:t>(I/O)</a:t>
+            </a:r>
+          </a:p>
+          <a:p>
+            <a:pPr marL="109537" indent="0">
               <a:lnSpc>
-                <a:spcPct val="170000"/>
+                <a:spcPct val="150000"/>
               </a:lnSpc>
               <a:spcBef>
                 <a:spcPts val="0"/>
@@ -3065,14 +3103,43 @@
               <a:buNone/>
             </a:pPr>
             <a:r>
-              <a:rPr lang="en-US" altLang="zh-CN" sz="4000" dirty="0"/>
-              <a:t>D:\\demo\\geckodriver.exe</a:t>
-            </a:r>
-          </a:p>
-          <a:p>
-            <a:pPr marL="0" indent="0">
+              <a:rPr lang="en-US" altLang="zh-CN" dirty="0" smtClean="0"/>
+              <a:t>9.4 </a:t>
+            </a:r>
+            <a:r>
+              <a:rPr lang="zh-CN" altLang="en-US" dirty="0"/>
+              <a:t>使用</a:t>
+            </a:r>
+            <a:r>
+              <a:rPr lang="en-US" altLang="zh-CN" dirty="0" err="1"/>
+              <a:t>TestNG</a:t>
+            </a:r>
+            <a:r>
+              <a:rPr lang="zh-CN" altLang="en-US" dirty="0"/>
+              <a:t>、</a:t>
+            </a:r>
+            <a:r>
+              <a:rPr lang="en-US" altLang="zh-CN" dirty="0"/>
+              <a:t>Apache POI </a:t>
+            </a:r>
+            <a:r>
+              <a:rPr lang="zh-CN" altLang="en-US" dirty="0"/>
+              <a:t>和</a:t>
+            </a:r>
+            <a:r>
+              <a:rPr lang="en-US" altLang="zh-CN" dirty="0"/>
+              <a:t>Excel</a:t>
+            </a:r>
+            <a:r>
+              <a:rPr lang="zh-CN" altLang="en-US" dirty="0"/>
+              <a:t>文件进行数据驱动</a:t>
+            </a:r>
+            <a:endParaRPr lang="en-US" altLang="zh-CN" dirty="0"/>
+          </a:p>
+          <a:p>
+            <a:pPr marL="109537" indent="0">
               <a:lnSpc>
-                <a:spcPct val="170000"/>
+                <a:spcPct val="150000"/>
               </a:lnSpc>
               <a:spcBef>
                 <a:spcPts val="0"/>
@@ -3080,69 +3147,77 @@
               <a:buNone/>
             </a:pPr>
             <a:r>
-              <a:rPr lang="nn-NO" altLang="zh-CN" sz="4000" dirty="0"/>
-              <a:t>D:\\Program Files (x86)\\Mozilla Firefox\\firefox.exe</a:t>
-            </a:r>
-          </a:p>
-          <a:p>
-            <a:pPr marL="0" indent="0">
-              <a:lnSpc>
-                <a:spcPct val="170000"/>
-              </a:lnSpc>
-              <a:spcBef>
-                <a:spcPts val="0"/>
-              </a:spcBef>
-              <a:buNone/>
-            </a:pPr>
-            <a:r>
-              <a:rPr lang="zh-CN" altLang="en-US" sz="4000" dirty="0" smtClean="0"/>
-              <a:t>等</a:t>
-            </a:r>
-            <a:r>
-              <a:rPr lang="zh-CN" altLang="en-US" sz="4000" dirty="0"/>
-              <a:t>都放置属性文件</a:t>
-            </a:r>
-            <a:r>
-              <a:rPr lang="zh-CN" altLang="en-US" sz="4000" dirty="0" smtClean="0"/>
-              <a:t>中，参照</a:t>
-            </a:r>
-            <a:r>
-              <a:rPr lang="en-US" altLang="zh-CN" sz="4000" dirty="0" smtClean="0"/>
-              <a:t>dagger</a:t>
-            </a:r>
-            <a:r>
-              <a:rPr lang="zh-CN" altLang="en-US" sz="4000" dirty="0" smtClean="0"/>
-              <a:t>的</a:t>
-            </a:r>
-            <a:r>
-              <a:rPr lang="en-US" altLang="zh-CN" sz="4000" dirty="0" err="1" smtClean="0"/>
-              <a:t>GlobalSettings</a:t>
-            </a:r>
-            <a:r>
-              <a:rPr lang="zh-CN" altLang="en-US" sz="4000" dirty="0" smtClean="0"/>
-              <a:t>类</a:t>
-            </a:r>
-            <a:endParaRPr lang="en-US" altLang="zh-CN" sz="4000" dirty="0"/>
-          </a:p>
-          <a:p>
-            <a:pPr marL="0" indent="0">
-              <a:buNone/>
-            </a:pPr>
-            <a:endParaRPr lang="en-US" altLang="zh-CN" dirty="0" smtClean="0"/>
-          </a:p>
-          <a:p>
-            <a:pPr marL="0" indent="0">
-              <a:buNone/>
-            </a:pPr>
-            <a:r>
-              <a:rPr lang="en-US" altLang="zh-CN" sz="4400" dirty="0" smtClean="0"/>
-              <a:t>  </a:t>
-            </a:r>
-            <a:r>
-              <a:rPr lang="en-US" altLang="zh-CN" sz="4400" dirty="0"/>
-              <a:t>https://www.oschina.net/p/dagger</a:t>
-            </a:r>
-            <a:endParaRPr lang="zh-CN" altLang="en-US" sz="4400" dirty="0"/>
+              <a:rPr lang="en-US" altLang="zh-CN" dirty="0" smtClean="0">
+                <a:solidFill>
+                  <a:srgbClr val="FF0000"/>
+                </a:solidFill>
+              </a:rPr>
+              <a:t>9.5 </a:t>
+            </a:r>
+            <a:r>
+              <a:rPr lang="zh-CN" altLang="en-US" dirty="0" smtClean="0">
+                <a:solidFill>
+                  <a:srgbClr val="FF0000"/>
+                </a:solidFill>
+              </a:rPr>
+              <a:t>使用</a:t>
+            </a:r>
+            <a:r>
+              <a:rPr lang="en-US" altLang="zh-CN" dirty="0">
+                <a:solidFill>
+                  <a:srgbClr val="FF0000"/>
+                </a:solidFill>
+              </a:rPr>
+              <a:t>MySQL</a:t>
+            </a:r>
+            <a:r>
+              <a:rPr lang="zh-CN" altLang="en-US" dirty="0">
+                <a:solidFill>
+                  <a:srgbClr val="FF0000"/>
+                </a:solidFill>
+              </a:rPr>
+              <a:t>数据库实现数据驱动</a:t>
+            </a:r>
+            <a:r>
+              <a:rPr lang="zh-CN" altLang="en-US" dirty="0" smtClean="0">
+                <a:solidFill>
+                  <a:srgbClr val="FF0000"/>
+                </a:solidFill>
+              </a:rPr>
+              <a:t>测试</a:t>
+            </a:r>
+            <a:r>
+              <a:rPr lang="en-US" altLang="zh-CN" dirty="0" smtClean="0">
+                <a:solidFill>
+                  <a:srgbClr val="FF0000"/>
+                </a:solidFill>
+              </a:rPr>
+              <a:t>(</a:t>
+            </a:r>
+            <a:r>
+              <a:rPr lang="en-US" altLang="zh-CN" dirty="0" err="1" smtClean="0">
+                <a:solidFill>
+                  <a:srgbClr val="FF0000"/>
+                </a:solidFill>
+              </a:rPr>
+              <a:t>JDBC</a:t>
+            </a:r>
+            <a:r>
+              <a:rPr lang="en-US" altLang="zh-CN" dirty="0" smtClean="0">
+                <a:solidFill>
+                  <a:srgbClr val="FF0000"/>
+                </a:solidFill>
+              </a:rPr>
+              <a:t>)</a:t>
+            </a:r>
+            <a:endParaRPr lang="en-US" altLang="zh-CN" dirty="0">
+              <a:solidFill>
+                <a:srgbClr val="FF0000"/>
+              </a:solidFill>
+            </a:endParaRPr>
+          </a:p>
+          <a:p>
+            <a:endParaRPr lang="zh-CN" altLang="en-US" dirty="0"/>
           </a:p>
         </p:txBody>
       </p:sp>
@@ -3164,17 +3239,355 @@
           <a:lstStyle/>
           <a:p>
             <a:r>
-              <a:rPr lang="zh-CN" altLang="en-US" dirty="0" smtClean="0"/>
-              <a:t>练习</a:t>
-            </a:r>
-            <a:endParaRPr lang="zh-CN" altLang="en-US" dirty="0"/>
+              <a:rPr lang="zh-CN" altLang="en-US" dirty="0"/>
+              <a:t>本章大纲</a:t>
+            </a:r>
           </a:p>
         </p:txBody>
       </p:sp>
     </p:spTree>
     <p:extLst>
       <p:ext uri="{BB962C8B-B14F-4D97-AF65-F5344CB8AC3E}">
-        <p14:creationId xmlns:p14="http://schemas.microsoft.com/office/powerpoint/2010/main" val="3206564500"/>
+        <p14:creationId xmlns:p14="http://schemas.microsoft.com/office/powerpoint/2010/main" val="1530797810"/>
+      </p:ext>
+    </p:extLst>
+  </p:cSld>
+  <p:clrMapOvr>
+    <a:masterClrMapping/>
+  </p:clrMapOvr>
+  <p:timing>
+    <p:tnLst>
+      <p:par>
+        <p:cTn id="1" dur="indefinite" restart="never" nodeType="tmRoot"/>
+      </p:par>
+    </p:tnLst>
+  </p:timing>
+</p:sld>
+</file>
+
+<file path=ppt/slides/slide18.xml><?xml version="1.0" encoding="utf-8"?>
+<p:sld xmlns:a="http://schemas.openxmlformats.org/drawingml/2006/main" xmlns:r="http://schemas.openxmlformats.org/officeDocument/2006/relationships" xmlns:p="http://schemas.openxmlformats.org/presentationml/2006/main">
+  <p:cSld>
+    <p:spTree>
+      <p:nvGrpSpPr>
+        <p:cNvPr id="1" name=""/>
+        <p:cNvGrpSpPr/>
+        <p:nvPr/>
+      </p:nvGrpSpPr>
+      <p:grpSpPr>
+        <a:xfrm>
+          <a:off x="0" y="0"/>
+          <a:ext cx="0" cy="0"/>
+          <a:chOff x="0" y="0"/>
+          <a:chExt cx="0" cy="0"/>
+        </a:xfrm>
+      </p:grpSpPr>
+      <p:sp>
+        <p:nvSpPr>
+          <p:cNvPr id="2" name="标题 1"/>
+          <p:cNvSpPr>
+            <a:spLocks noGrp="1"/>
+          </p:cNvSpPr>
+          <p:nvPr>
+            <p:ph type="title"/>
+          </p:nvPr>
+        </p:nvSpPr>
+        <p:spPr>
+          <a:xfrm>
+            <a:off x="-9602" y="0"/>
+            <a:ext cx="9910194" cy="614150"/>
+          </a:xfrm>
+        </p:spPr>
+        <p:txBody>
+          <a:bodyPr>
+            <a:normAutofit fontScale="90000"/>
+          </a:bodyPr>
+          <a:lstStyle/>
+          <a:p>
+            <a:r>
+              <a:rPr lang="zh-CN" altLang="en-US" dirty="0" smtClean="0"/>
+              <a:t>使用</a:t>
+            </a:r>
+            <a:r>
+              <a:rPr lang="en-US" altLang="zh-CN" dirty="0" smtClean="0"/>
+              <a:t>MySQL</a:t>
+            </a:r>
+            <a:r>
+              <a:rPr lang="zh-CN" altLang="en-US" dirty="0" smtClean="0"/>
+              <a:t>数据库实现数据驱动测试</a:t>
+            </a:r>
+            <a:endParaRPr lang="zh-CN" altLang="en-US" dirty="0"/>
+          </a:p>
+        </p:txBody>
+      </p:sp>
+      <p:sp>
+        <p:nvSpPr>
+          <p:cNvPr id="4" name="矩形 3"/>
+          <p:cNvSpPr/>
+          <p:nvPr/>
+        </p:nvSpPr>
+        <p:spPr>
+          <a:xfrm>
+            <a:off x="323528" y="789552"/>
+            <a:ext cx="8046640" cy="3271024"/>
+          </a:xfrm>
+          <a:prstGeom prst="rect">
+            <a:avLst/>
+          </a:prstGeom>
+        </p:spPr>
+        <p:txBody>
+          <a:bodyPr wrap="square">
+            <a:spAutoFit/>
+          </a:bodyPr>
+          <a:lstStyle/>
+          <a:p>
+            <a:pPr marL="342900" indent="-342900">
+              <a:lnSpc>
+                <a:spcPct val="80000"/>
+              </a:lnSpc>
+              <a:spcBef>
+                <a:spcPct val="20000"/>
+              </a:spcBef>
+              <a:buFont typeface="Wingdings" panose="05000000000000000000" pitchFamily="2" charset="2"/>
+              <a:buChar char="Ø"/>
+            </a:pPr>
+            <a:r>
+              <a:rPr lang="zh-CN" altLang="en-US" sz="2800" dirty="0">
+                <a:latin typeface="微软雅黑" panose="020B0503020204020204" pitchFamily="34" charset="-122"/>
+                <a:ea typeface="微软雅黑" panose="020B0503020204020204" pitchFamily="34" charset="-122"/>
+              </a:rPr>
+              <a:t>测试流程</a:t>
+            </a:r>
+            <a:endParaRPr lang="en-US" altLang="zh-CN" sz="2400" dirty="0">
+              <a:latin typeface="微软雅黑" panose="020B0503020204020204" pitchFamily="34" charset="-122"/>
+              <a:ea typeface="微软雅黑" panose="020B0503020204020204" pitchFamily="34" charset="-122"/>
+            </a:endParaRPr>
+          </a:p>
+          <a:p>
+            <a:pPr marL="514350" indent="-514350">
+              <a:lnSpc>
+                <a:spcPct val="130000"/>
+              </a:lnSpc>
+              <a:buFont typeface="+mj-lt"/>
+              <a:buAutoNum type="arabicPeriod"/>
+            </a:pPr>
+            <a:r>
+              <a:rPr lang="zh-CN" altLang="en-US" sz="2400" dirty="0">
+                <a:latin typeface="微软雅黑" panose="020B0503020204020204" pitchFamily="34" charset="-122"/>
+                <a:ea typeface="微软雅黑" panose="020B0503020204020204" pitchFamily="34" charset="-122"/>
+              </a:rPr>
+              <a:t>打开百度首页</a:t>
+            </a:r>
+            <a:endParaRPr lang="en-US" altLang="zh-CN" sz="2400" dirty="0">
+              <a:latin typeface="微软雅黑" panose="020B0503020204020204" pitchFamily="34" charset="-122"/>
+              <a:ea typeface="微软雅黑" panose="020B0503020204020204" pitchFamily="34" charset="-122"/>
+            </a:endParaRPr>
+          </a:p>
+          <a:p>
+            <a:pPr marL="514350" indent="-514350">
+              <a:lnSpc>
+                <a:spcPct val="130000"/>
+              </a:lnSpc>
+              <a:buFont typeface="+mj-lt"/>
+              <a:buAutoNum type="arabicPeriod"/>
+            </a:pPr>
+            <a:r>
+              <a:rPr lang="zh-CN" altLang="en-US" sz="2400" dirty="0">
+                <a:latin typeface="微软雅黑" panose="020B0503020204020204" pitchFamily="34" charset="-122"/>
+                <a:ea typeface="微软雅黑" panose="020B0503020204020204" pitchFamily="34" charset="-122"/>
+              </a:rPr>
+              <a:t>从数据库测试表中读取每行的第一列内容作为输入关键词</a:t>
+            </a:r>
+            <a:endParaRPr lang="en-US" altLang="zh-CN" sz="2400" dirty="0">
+              <a:latin typeface="微软雅黑" panose="020B0503020204020204" pitchFamily="34" charset="-122"/>
+              <a:ea typeface="微软雅黑" panose="020B0503020204020204" pitchFamily="34" charset="-122"/>
+            </a:endParaRPr>
+          </a:p>
+          <a:p>
+            <a:pPr marL="514350" indent="-514350">
+              <a:lnSpc>
+                <a:spcPct val="130000"/>
+              </a:lnSpc>
+              <a:buFont typeface="+mj-lt"/>
+              <a:buAutoNum type="arabicPeriod"/>
+            </a:pPr>
+            <a:r>
+              <a:rPr lang="zh-CN" altLang="en-US" sz="2400" dirty="0">
+                <a:latin typeface="微软雅黑" panose="020B0503020204020204" pitchFamily="34" charset="-122"/>
+                <a:ea typeface="微软雅黑" panose="020B0503020204020204" pitchFamily="34" charset="-122"/>
+              </a:rPr>
+              <a:t>单击搜索按钮</a:t>
+            </a:r>
+            <a:endParaRPr lang="en-US" altLang="zh-CN" sz="2400" dirty="0">
+              <a:latin typeface="微软雅黑" panose="020B0503020204020204" pitchFamily="34" charset="-122"/>
+              <a:ea typeface="微软雅黑" panose="020B0503020204020204" pitchFamily="34" charset="-122"/>
+            </a:endParaRPr>
+          </a:p>
+          <a:p>
+            <a:pPr marL="514350" indent="-514350">
+              <a:lnSpc>
+                <a:spcPct val="130000"/>
+              </a:lnSpc>
+              <a:buFont typeface="+mj-lt"/>
+              <a:buAutoNum type="arabicPeriod"/>
+            </a:pPr>
+            <a:r>
+              <a:rPr lang="zh-CN" altLang="en-US" sz="2400" dirty="0">
+                <a:latin typeface="微软雅黑" panose="020B0503020204020204" pitchFamily="34" charset="-122"/>
+                <a:ea typeface="微软雅黑" panose="020B0503020204020204" pitchFamily="34" charset="-122"/>
+              </a:rPr>
+              <a:t>验证搜索结果否包含数据库测试表每行第二个单词，如果存在执行成功，不存在，则执行失败。</a:t>
+            </a:r>
+            <a:endParaRPr lang="en-US" altLang="zh-CN" sz="2400" dirty="0">
+              <a:latin typeface="微软雅黑" panose="020B0503020204020204" pitchFamily="34" charset="-122"/>
+              <a:ea typeface="微软雅黑" panose="020B0503020204020204" pitchFamily="34" charset="-122"/>
+            </a:endParaRPr>
+          </a:p>
+        </p:txBody>
+      </p:sp>
+    </p:spTree>
+    <p:extLst>
+      <p:ext uri="{BB962C8B-B14F-4D97-AF65-F5344CB8AC3E}">
+        <p14:creationId xmlns:p14="http://schemas.microsoft.com/office/powerpoint/2010/main" val="4182786272"/>
+      </p:ext>
+    </p:extLst>
+  </p:cSld>
+  <p:clrMapOvr>
+    <a:masterClrMapping/>
+  </p:clrMapOvr>
+  <p:timing>
+    <p:tnLst>
+      <p:par>
+        <p:cTn id="1" dur="indefinite" restart="never" nodeType="tmRoot"/>
+      </p:par>
+    </p:tnLst>
+  </p:timing>
+</p:sld>
+</file>
+
+<file path=ppt/slides/slide19.xml><?xml version="1.0" encoding="utf-8"?>
+<p:sld xmlns:a="http://schemas.openxmlformats.org/drawingml/2006/main" xmlns:r="http://schemas.openxmlformats.org/officeDocument/2006/relationships" xmlns:p="http://schemas.openxmlformats.org/presentationml/2006/main">
+  <p:cSld>
+    <p:spTree>
+      <p:nvGrpSpPr>
+        <p:cNvPr id="1" name=""/>
+        <p:cNvGrpSpPr/>
+        <p:nvPr/>
+      </p:nvGrpSpPr>
+      <p:grpSpPr>
+        <a:xfrm>
+          <a:off x="0" y="0"/>
+          <a:ext cx="0" cy="0"/>
+          <a:chOff x="0" y="0"/>
+          <a:chExt cx="0" cy="0"/>
+        </a:xfrm>
+      </p:grpSpPr>
+      <p:sp>
+        <p:nvSpPr>
+          <p:cNvPr id="2" name="标题 1"/>
+          <p:cNvSpPr>
+            <a:spLocks noGrp="1"/>
+          </p:cNvSpPr>
+          <p:nvPr>
+            <p:ph type="title"/>
+          </p:nvPr>
+        </p:nvSpPr>
+        <p:spPr>
+          <a:xfrm>
+            <a:off x="-9602" y="0"/>
+            <a:ext cx="9910194" cy="614150"/>
+          </a:xfrm>
+        </p:spPr>
+        <p:txBody>
+          <a:bodyPr>
+            <a:normAutofit fontScale="90000"/>
+          </a:bodyPr>
+          <a:lstStyle/>
+          <a:p>
+            <a:r>
+              <a:rPr lang="zh-CN" altLang="en-US" dirty="0" smtClean="0"/>
+              <a:t>使用</a:t>
+            </a:r>
+            <a:r>
+              <a:rPr lang="en-US" altLang="zh-CN" dirty="0" smtClean="0"/>
+              <a:t>MySQL</a:t>
+            </a:r>
+            <a:r>
+              <a:rPr lang="zh-CN" altLang="en-US" dirty="0" smtClean="0"/>
+              <a:t>数据库实现数据驱动测试</a:t>
+            </a:r>
+            <a:endParaRPr lang="zh-CN" altLang="en-US" dirty="0"/>
+          </a:p>
+        </p:txBody>
+      </p:sp>
+      <p:pic>
+        <p:nvPicPr>
+          <p:cNvPr id="1028" name="Picture 4"/>
+          <p:cNvPicPr>
+            <a:picLocks noChangeAspect="1" noChangeArrowheads="1"/>
+          </p:cNvPicPr>
+          <p:nvPr/>
+        </p:nvPicPr>
+        <p:blipFill>
+          <a:blip r:embed="rId2">
+            <a:extLst>
+              <a:ext uri="{28A0092B-C50C-407E-A947-70E740481C1C}">
+                <a14:useLocalDpi xmlns:a14="http://schemas.microsoft.com/office/drawing/2010/main" val="0"/>
+              </a:ext>
+            </a:extLst>
+          </a:blip>
+          <a:srcRect/>
+          <a:stretch>
+            <a:fillRect/>
+          </a:stretch>
+        </p:blipFill>
+        <p:spPr bwMode="auto">
+          <a:xfrm>
+            <a:off x="385763" y="1042988"/>
+            <a:ext cx="8370887" cy="3057525"/>
+          </a:xfrm>
+          <a:prstGeom prst="rect">
+            <a:avLst/>
+          </a:prstGeom>
+          <a:noFill/>
+          <a:ln>
+            <a:noFill/>
+          </a:ln>
+          <a:effectLst/>
+          <a:extLst>
+            <a:ext uri="{909E8E84-426E-40DD-AFC4-6F175D3DCCD1}">
+              <a14:hiddenFill xmlns:a14="http://schemas.microsoft.com/office/drawing/2010/main">
+                <a:solidFill>
+                  <a:schemeClr val="accent1"/>
+                </a:solidFill>
+              </a14:hiddenFill>
+            </a:ext>
+            <a:ext uri="{91240B29-F687-4F45-9708-019B960494DF}">
+              <a14:hiddenLine xmlns:a14="http://schemas.microsoft.com/office/drawing/2010/main" w="9525">
+                <a:solidFill>
+                  <a:schemeClr val="tx1"/>
+                </a:solidFill>
+                <a:miter lim="800000"/>
+                <a:headEnd/>
+                <a:tailEnd/>
+              </a14:hiddenLine>
+            </a:ext>
+            <a:ext uri="{AF507438-7753-43E0-B8FC-AC1667EBCBE1}">
+              <a14:hiddenEffects xmlns:a14="http://schemas.microsoft.com/office/drawing/2010/main">
+                <a:effectLst>
+                  <a:outerShdw dist="35921" dir="2700000" algn="ctr" rotWithShape="0">
+                    <a:schemeClr val="bg2"/>
+                  </a:outerShdw>
+                </a:effectLst>
+              </a14:hiddenEffects>
+            </a:ext>
+          </a:extLst>
+        </p:spPr>
+      </p:pic>
+    </p:spTree>
+    <p:extLst>
+      <p:ext uri="{BB962C8B-B14F-4D97-AF65-F5344CB8AC3E}">
+        <p14:creationId xmlns:p14="http://schemas.microsoft.com/office/powerpoint/2010/main" val="3858508676"/>
       </p:ext>
     </p:extLst>
   </p:cSld>
@@ -3459,6 +3872,558 @@
       </p:par>
     </p:tnLst>
   </p:timing>
+</p:sld>
+</file>
+
+<file path=ppt/slides/slide20.xml><?xml version="1.0" encoding="utf-8"?>
+<p:sld xmlns:a="http://schemas.openxmlformats.org/drawingml/2006/main" xmlns:r="http://schemas.openxmlformats.org/officeDocument/2006/relationships" xmlns:p="http://schemas.openxmlformats.org/presentationml/2006/main">
+  <p:cSld>
+    <p:spTree>
+      <p:nvGrpSpPr>
+        <p:cNvPr id="1" name=""/>
+        <p:cNvGrpSpPr/>
+        <p:nvPr/>
+      </p:nvGrpSpPr>
+      <p:grpSpPr>
+        <a:xfrm>
+          <a:off x="0" y="0"/>
+          <a:ext cx="0" cy="0"/>
+          <a:chOff x="0" y="0"/>
+          <a:chExt cx="0" cy="0"/>
+        </a:xfrm>
+      </p:grpSpPr>
+      <p:sp>
+        <p:nvSpPr>
+          <p:cNvPr id="2" name="标题 1"/>
+          <p:cNvSpPr>
+            <a:spLocks noGrp="1"/>
+          </p:cNvSpPr>
+          <p:nvPr>
+            <p:ph type="title"/>
+          </p:nvPr>
+        </p:nvSpPr>
+        <p:spPr>
+          <a:xfrm>
+            <a:off x="-9602" y="0"/>
+            <a:ext cx="9910194" cy="614150"/>
+          </a:xfrm>
+        </p:spPr>
+        <p:txBody>
+          <a:bodyPr>
+            <a:normAutofit fontScale="90000"/>
+          </a:bodyPr>
+          <a:lstStyle/>
+          <a:p>
+            <a:r>
+              <a:rPr lang="zh-CN" altLang="en-US" dirty="0" smtClean="0"/>
+              <a:t>使用</a:t>
+            </a:r>
+            <a:r>
+              <a:rPr lang="en-US" altLang="zh-CN" dirty="0" smtClean="0"/>
+              <a:t>MySQL</a:t>
+            </a:r>
+            <a:r>
+              <a:rPr lang="zh-CN" altLang="en-US" dirty="0" smtClean="0"/>
+              <a:t>数据库实现数据驱动测试</a:t>
+            </a:r>
+            <a:endParaRPr lang="zh-CN" altLang="en-US" dirty="0"/>
+          </a:p>
+        </p:txBody>
+      </p:sp>
+      <p:pic>
+        <p:nvPicPr>
+          <p:cNvPr id="2051" name="Picture 3"/>
+          <p:cNvPicPr>
+            <a:picLocks noChangeAspect="1" noChangeArrowheads="1"/>
+          </p:cNvPicPr>
+          <p:nvPr/>
+        </p:nvPicPr>
+        <p:blipFill>
+          <a:blip r:embed="rId2">
+            <a:extLst>
+              <a:ext uri="{28A0092B-C50C-407E-A947-70E740481C1C}">
+                <a14:useLocalDpi xmlns:a14="http://schemas.microsoft.com/office/drawing/2010/main" val="0"/>
+              </a:ext>
+            </a:extLst>
+          </a:blip>
+          <a:srcRect/>
+          <a:stretch>
+            <a:fillRect/>
+          </a:stretch>
+        </p:blipFill>
+        <p:spPr bwMode="auto">
+          <a:xfrm>
+            <a:off x="1074518" y="771550"/>
+            <a:ext cx="6989763" cy="3819525"/>
+          </a:xfrm>
+          <a:prstGeom prst="rect">
+            <a:avLst/>
+          </a:prstGeom>
+          <a:noFill/>
+          <a:ln>
+            <a:noFill/>
+          </a:ln>
+          <a:effectLst/>
+          <a:extLst>
+            <a:ext uri="{909E8E84-426E-40DD-AFC4-6F175D3DCCD1}">
+              <a14:hiddenFill xmlns:a14="http://schemas.microsoft.com/office/drawing/2010/main">
+                <a:solidFill>
+                  <a:schemeClr val="accent1"/>
+                </a:solidFill>
+              </a14:hiddenFill>
+            </a:ext>
+            <a:ext uri="{91240B29-F687-4F45-9708-019B960494DF}">
+              <a14:hiddenLine xmlns:a14="http://schemas.microsoft.com/office/drawing/2010/main" w="9525">
+                <a:solidFill>
+                  <a:schemeClr val="tx1"/>
+                </a:solidFill>
+                <a:miter lim="800000"/>
+                <a:headEnd/>
+                <a:tailEnd/>
+              </a14:hiddenLine>
+            </a:ext>
+            <a:ext uri="{AF507438-7753-43E0-B8FC-AC1667EBCBE1}">
+              <a14:hiddenEffects xmlns:a14="http://schemas.microsoft.com/office/drawing/2010/main">
+                <a:effectLst>
+                  <a:outerShdw dist="35921" dir="2700000" algn="ctr" rotWithShape="0">
+                    <a:schemeClr val="bg2"/>
+                  </a:outerShdw>
+                </a:effectLst>
+              </a14:hiddenEffects>
+            </a:ext>
+          </a:extLst>
+        </p:spPr>
+      </p:pic>
+    </p:spTree>
+    <p:extLst>
+      <p:ext uri="{BB962C8B-B14F-4D97-AF65-F5344CB8AC3E}">
+        <p14:creationId xmlns:p14="http://schemas.microsoft.com/office/powerpoint/2010/main" val="3500808044"/>
+      </p:ext>
+    </p:extLst>
+  </p:cSld>
+  <p:clrMapOvr>
+    <a:masterClrMapping/>
+  </p:clrMapOvr>
+  <p:timing>
+    <p:tnLst>
+      <p:par>
+        <p:cTn id="1" dur="indefinite" restart="never" nodeType="tmRoot"/>
+      </p:par>
+    </p:tnLst>
+  </p:timing>
+</p:sld>
+</file>
+
+<file path=ppt/slides/slide21.xml><?xml version="1.0" encoding="utf-8"?>
+<p:sld xmlns:a="http://schemas.openxmlformats.org/drawingml/2006/main" xmlns:r="http://schemas.openxmlformats.org/officeDocument/2006/relationships" xmlns:p="http://schemas.openxmlformats.org/presentationml/2006/main">
+  <p:cSld>
+    <p:spTree>
+      <p:nvGrpSpPr>
+        <p:cNvPr id="1" name=""/>
+        <p:cNvGrpSpPr/>
+        <p:nvPr/>
+      </p:nvGrpSpPr>
+      <p:grpSpPr>
+        <a:xfrm>
+          <a:off x="0" y="0"/>
+          <a:ext cx="0" cy="0"/>
+          <a:chOff x="0" y="0"/>
+          <a:chExt cx="0" cy="0"/>
+        </a:xfrm>
+      </p:grpSpPr>
+      <p:sp>
+        <p:nvSpPr>
+          <p:cNvPr id="2" name="内容占位符 1"/>
+          <p:cNvSpPr>
+            <a:spLocks noGrp="1"/>
+          </p:cNvSpPr>
+          <p:nvPr>
+            <p:ph idx="1"/>
+          </p:nvPr>
+        </p:nvSpPr>
+        <p:spPr>
+          <a:xfrm>
+            <a:off x="467544" y="735546"/>
+            <a:ext cx="8229600" cy="4137924"/>
+          </a:xfrm>
+        </p:spPr>
+        <p:txBody>
+          <a:bodyPr>
+            <a:normAutofit fontScale="55000" lnSpcReduction="20000"/>
+          </a:bodyPr>
+          <a:lstStyle/>
+          <a:p>
+            <a:pPr marL="0" indent="0">
+              <a:lnSpc>
+                <a:spcPct val="170000"/>
+              </a:lnSpc>
+              <a:spcBef>
+                <a:spcPts val="0"/>
+              </a:spcBef>
+              <a:buNone/>
+            </a:pPr>
+            <a:r>
+              <a:rPr lang="en-US" altLang="zh-CN" sz="4000" dirty="0"/>
+              <a:t>1</a:t>
+            </a:r>
+            <a:r>
+              <a:rPr lang="en-US" altLang="zh-CN" sz="4000" dirty="0" smtClean="0"/>
+              <a:t>.</a:t>
+            </a:r>
+            <a:r>
+              <a:rPr lang="zh-CN" altLang="en-US" sz="4000" dirty="0"/>
+              <a:t>用户管理</a:t>
+            </a:r>
+            <a:r>
+              <a:rPr lang="en-US" altLang="zh-CN" sz="4000" dirty="0"/>
+              <a:t>/</a:t>
+            </a:r>
+            <a:r>
+              <a:rPr lang="zh-CN" altLang="en-US" sz="4000" dirty="0"/>
+              <a:t>用户级别划分</a:t>
+            </a:r>
+            <a:r>
+              <a:rPr lang="en-US" altLang="zh-CN" sz="4000" dirty="0"/>
+              <a:t>/</a:t>
+            </a:r>
+            <a:r>
+              <a:rPr lang="zh-CN" altLang="en-US" sz="4000" dirty="0"/>
+              <a:t>添加（</a:t>
+            </a:r>
+            <a:r>
+              <a:rPr lang="en-US" altLang="zh-CN" sz="4000" dirty="0" smtClean="0"/>
+              <a:t>txt</a:t>
+            </a:r>
+            <a:r>
+              <a:rPr lang="zh-CN" altLang="en-US" sz="4000" dirty="0" smtClean="0"/>
+              <a:t>或者</a:t>
+            </a:r>
+            <a:r>
+              <a:rPr lang="en-US" altLang="zh-CN" sz="4000" dirty="0" smtClean="0"/>
+              <a:t>excel</a:t>
+            </a:r>
+            <a:r>
+              <a:rPr lang="zh-CN" altLang="en-US" sz="4000" dirty="0" smtClean="0"/>
+              <a:t>的任选一种即可）</a:t>
+            </a:r>
+            <a:endParaRPr lang="en-US" altLang="zh-CN" sz="4000" dirty="0" smtClean="0"/>
+          </a:p>
+          <a:p>
+            <a:pPr marL="0" indent="0">
+              <a:lnSpc>
+                <a:spcPct val="170000"/>
+              </a:lnSpc>
+              <a:spcBef>
+                <a:spcPts val="0"/>
+              </a:spcBef>
+              <a:buNone/>
+            </a:pPr>
+            <a:r>
+              <a:rPr lang="en-US" altLang="zh-CN" sz="4000" dirty="0"/>
+              <a:t>2</a:t>
+            </a:r>
+            <a:r>
+              <a:rPr lang="en-US" altLang="zh-CN" sz="4000" dirty="0" smtClean="0"/>
+              <a:t>.</a:t>
+            </a:r>
+            <a:r>
+              <a:rPr lang="zh-CN" altLang="en-US" sz="4000" dirty="0"/>
+              <a:t>影评管理</a:t>
+            </a:r>
+            <a:r>
+              <a:rPr lang="en-US" altLang="zh-CN" sz="4000" dirty="0"/>
+              <a:t>/</a:t>
+            </a:r>
+            <a:r>
+              <a:rPr lang="zh-CN" altLang="en-US" sz="4000" dirty="0"/>
+              <a:t>浏览影评信息</a:t>
+            </a:r>
+            <a:r>
+              <a:rPr lang="en-US" altLang="zh-CN" sz="4000" dirty="0"/>
+              <a:t>/</a:t>
+            </a:r>
+            <a:r>
+              <a:rPr lang="zh-CN" altLang="en-US" sz="4000" dirty="0"/>
+              <a:t> 删除（批量删除）</a:t>
+            </a:r>
+            <a:endParaRPr lang="en-US" altLang="zh-CN" sz="4000" dirty="0"/>
+          </a:p>
+          <a:p>
+            <a:pPr marL="0" indent="0">
+              <a:lnSpc>
+                <a:spcPct val="170000"/>
+              </a:lnSpc>
+              <a:spcBef>
+                <a:spcPts val="0"/>
+              </a:spcBef>
+              <a:buNone/>
+            </a:pPr>
+            <a:r>
+              <a:rPr lang="en-US" altLang="zh-CN" sz="4000" dirty="0"/>
+              <a:t>3</a:t>
+            </a:r>
+            <a:r>
+              <a:rPr lang="en-US" altLang="zh-CN" sz="4000" dirty="0" smtClean="0"/>
+              <a:t>.</a:t>
+            </a:r>
+            <a:r>
+              <a:rPr lang="zh-CN" altLang="en-US" sz="4000" dirty="0"/>
+              <a:t>把初始化的浏览器类型（火狐，谷歌），驱动的位置，</a:t>
+            </a:r>
+            <a:endParaRPr lang="en-US" altLang="zh-CN" sz="4000" dirty="0"/>
+          </a:p>
+          <a:p>
+            <a:pPr marL="0" indent="0">
+              <a:lnSpc>
+                <a:spcPct val="170000"/>
+              </a:lnSpc>
+              <a:spcBef>
+                <a:spcPts val="0"/>
+              </a:spcBef>
+              <a:buNone/>
+            </a:pPr>
+            <a:r>
+              <a:rPr lang="en-US" altLang="zh-CN" sz="4000" dirty="0"/>
+              <a:t>D:\\demo\\geckodriver.exe</a:t>
+            </a:r>
+          </a:p>
+          <a:p>
+            <a:pPr marL="0" indent="0">
+              <a:lnSpc>
+                <a:spcPct val="170000"/>
+              </a:lnSpc>
+              <a:spcBef>
+                <a:spcPts val="0"/>
+              </a:spcBef>
+              <a:buNone/>
+            </a:pPr>
+            <a:r>
+              <a:rPr lang="nn-NO" altLang="zh-CN" sz="4000" dirty="0"/>
+              <a:t>D:\\Program Files (x86)\\Mozilla Firefox\\firefox.exe</a:t>
+            </a:r>
+          </a:p>
+          <a:p>
+            <a:pPr marL="0" indent="0">
+              <a:lnSpc>
+                <a:spcPct val="170000"/>
+              </a:lnSpc>
+              <a:spcBef>
+                <a:spcPts val="0"/>
+              </a:spcBef>
+              <a:buNone/>
+            </a:pPr>
+            <a:r>
+              <a:rPr lang="zh-CN" altLang="en-US" sz="4000" dirty="0" smtClean="0"/>
+              <a:t>等</a:t>
+            </a:r>
+            <a:r>
+              <a:rPr lang="zh-CN" altLang="en-US" sz="4000" dirty="0"/>
+              <a:t>都放置属性文件</a:t>
+            </a:r>
+            <a:r>
+              <a:rPr lang="zh-CN" altLang="en-US" sz="4000" dirty="0" smtClean="0"/>
+              <a:t>中，参照</a:t>
+            </a:r>
+            <a:r>
+              <a:rPr lang="en-US" altLang="zh-CN" sz="4000" dirty="0" smtClean="0"/>
+              <a:t>dagger</a:t>
+            </a:r>
+            <a:r>
+              <a:rPr lang="zh-CN" altLang="en-US" sz="4000" dirty="0" smtClean="0"/>
+              <a:t>的</a:t>
+            </a:r>
+            <a:r>
+              <a:rPr lang="en-US" altLang="zh-CN" sz="4000" dirty="0" err="1" smtClean="0"/>
+              <a:t>GlobalSettings</a:t>
+            </a:r>
+            <a:r>
+              <a:rPr lang="zh-CN" altLang="en-US" sz="4000" dirty="0" smtClean="0"/>
+              <a:t>类</a:t>
+            </a:r>
+            <a:endParaRPr lang="en-US" altLang="zh-CN" sz="4000" dirty="0"/>
+          </a:p>
+          <a:p>
+            <a:pPr marL="0" indent="0">
+              <a:buNone/>
+            </a:pPr>
+            <a:endParaRPr lang="en-US" altLang="zh-CN" dirty="0" smtClean="0"/>
+          </a:p>
+          <a:p>
+            <a:pPr marL="0" indent="0">
+              <a:buNone/>
+            </a:pPr>
+            <a:r>
+              <a:rPr lang="en-US" altLang="zh-CN" sz="4400" dirty="0" smtClean="0"/>
+              <a:t>  </a:t>
+            </a:r>
+            <a:r>
+              <a:rPr lang="en-US" altLang="zh-CN" sz="4400" dirty="0"/>
+              <a:t>https://www.oschina.net/p/dagger</a:t>
+            </a:r>
+            <a:endParaRPr lang="zh-CN" altLang="en-US" sz="4400" dirty="0"/>
+          </a:p>
+        </p:txBody>
+      </p:sp>
+      <p:sp>
+        <p:nvSpPr>
+          <p:cNvPr id="3" name="标题 2"/>
+          <p:cNvSpPr>
+            <a:spLocks noGrp="1"/>
+          </p:cNvSpPr>
+          <p:nvPr>
+            <p:ph type="title"/>
+          </p:nvPr>
+        </p:nvSpPr>
+        <p:spPr/>
+        <p:txBody>
+          <a:bodyPr>
+            <a:normAutofit fontScale="90000"/>
+          </a:bodyPr>
+          <a:lstStyle/>
+          <a:p>
+            <a:r>
+              <a:rPr lang="zh-CN" altLang="en-US" dirty="0" smtClean="0"/>
+              <a:t>练习</a:t>
+            </a:r>
+            <a:endParaRPr lang="zh-CN" altLang="en-US" dirty="0"/>
+          </a:p>
+        </p:txBody>
+      </p:sp>
+    </p:spTree>
+    <p:extLst>
+      <p:ext uri="{BB962C8B-B14F-4D97-AF65-F5344CB8AC3E}">
+        <p14:creationId xmlns:p14="http://schemas.microsoft.com/office/powerpoint/2010/main" val="3206564500"/>
+      </p:ext>
+    </p:extLst>
+  </p:cSld>
+  <p:clrMapOvr>
+    <a:masterClrMapping/>
+  </p:clrMapOvr>
+  <p:timing>
+    <p:tnLst>
+      <p:par>
+        <p:cTn id="1" dur="indefinite" restart="never" nodeType="tmRoot"/>
+      </p:par>
+    </p:tnLst>
+  </p:timing>
+</p:sld>
+</file>
+
+<file path=ppt/slides/slide22.xml><?xml version="1.0" encoding="utf-8"?>
+<p:sld xmlns:a="http://schemas.openxmlformats.org/drawingml/2006/main" xmlns:r="http://schemas.openxmlformats.org/officeDocument/2006/relationships" xmlns:p="http://schemas.openxmlformats.org/presentationml/2006/main">
+  <p:cSld>
+    <p:spTree>
+      <p:nvGrpSpPr>
+        <p:cNvPr id="1" name=""/>
+        <p:cNvGrpSpPr/>
+        <p:nvPr/>
+      </p:nvGrpSpPr>
+      <p:grpSpPr>
+        <a:xfrm>
+          <a:off x="0" y="0"/>
+          <a:ext cx="0" cy="0"/>
+          <a:chOff x="0" y="0"/>
+          <a:chExt cx="0" cy="0"/>
+        </a:xfrm>
+      </p:grpSpPr>
+      <p:sp>
+        <p:nvSpPr>
+          <p:cNvPr id="3" name="标题 2"/>
+          <p:cNvSpPr>
+            <a:spLocks noGrp="1"/>
+          </p:cNvSpPr>
+          <p:nvPr>
+            <p:ph type="title"/>
+          </p:nvPr>
+        </p:nvSpPr>
+        <p:spPr/>
+        <p:txBody>
+          <a:bodyPr>
+            <a:normAutofit fontScale="90000"/>
+          </a:bodyPr>
+          <a:lstStyle/>
+          <a:p>
+            <a:r>
+              <a:rPr lang="zh-CN" altLang="en-US" dirty="0"/>
+              <a:t>练习</a:t>
+            </a:r>
+          </a:p>
+        </p:txBody>
+      </p:sp>
+      <p:pic>
+        <p:nvPicPr>
+          <p:cNvPr id="7170" name="Picture 2"/>
+          <p:cNvPicPr>
+            <a:picLocks noChangeAspect="1" noChangeArrowheads="1"/>
+          </p:cNvPicPr>
+          <p:nvPr/>
+        </p:nvPicPr>
+        <p:blipFill>
+          <a:blip r:embed="rId2">
+            <a:extLst>
+              <a:ext uri="{28A0092B-C50C-407E-A947-70E740481C1C}">
+                <a14:useLocalDpi xmlns:a14="http://schemas.microsoft.com/office/drawing/2010/main" val="0"/>
+              </a:ext>
+            </a:extLst>
+          </a:blip>
+          <a:srcRect/>
+          <a:stretch>
+            <a:fillRect/>
+          </a:stretch>
+        </p:blipFill>
+        <p:spPr bwMode="auto">
+          <a:xfrm>
+            <a:off x="423863" y="1085850"/>
+            <a:ext cx="8294687" cy="2971800"/>
+          </a:xfrm>
+          <a:prstGeom prst="rect">
+            <a:avLst/>
+          </a:prstGeom>
+          <a:noFill/>
+          <a:ln>
+            <a:noFill/>
+          </a:ln>
+          <a:effectLst/>
+          <a:extLst>
+            <a:ext uri="{909E8E84-426E-40DD-AFC4-6F175D3DCCD1}">
+              <a14:hiddenFill xmlns:a14="http://schemas.microsoft.com/office/drawing/2010/main">
+                <a:solidFill>
+                  <a:schemeClr val="accent1"/>
+                </a:solidFill>
+              </a14:hiddenFill>
+            </a:ext>
+            <a:ext uri="{91240B29-F687-4F45-9708-019B960494DF}">
+              <a14:hiddenLine xmlns:a14="http://schemas.microsoft.com/office/drawing/2010/main" w="9525">
+                <a:solidFill>
+                  <a:schemeClr val="tx1"/>
+                </a:solidFill>
+                <a:miter lim="800000"/>
+                <a:headEnd/>
+                <a:tailEnd/>
+              </a14:hiddenLine>
+            </a:ext>
+            <a:ext uri="{AF507438-7753-43E0-B8FC-AC1667EBCBE1}">
+              <a14:hiddenEffects xmlns:a14="http://schemas.microsoft.com/office/drawing/2010/main">
+                <a:effectLst>
+                  <a:outerShdw dist="35921" dir="2700000" algn="ctr" rotWithShape="0">
+                    <a:schemeClr val="bg2"/>
+                  </a:outerShdw>
+                </a:effectLst>
+              </a14:hiddenEffects>
+            </a:ext>
+          </a:extLst>
+        </p:spPr>
+      </p:pic>
+    </p:spTree>
+    <p:extLst>
+      <p:ext uri="{BB962C8B-B14F-4D97-AF65-F5344CB8AC3E}">
+        <p14:creationId xmlns:p14="http://schemas.microsoft.com/office/powerpoint/2010/main" val="4207534665"/>
+      </p:ext>
+    </p:extLst>
+  </p:cSld>
+  <p:clrMapOvr>
+    <a:masterClrMapping/>
+  </p:clrMapOvr>
 </p:sld>
 </file>
 
